--- a/簡報/day3b.pptx
+++ b/簡報/day3b.pptx
@@ -5,7 +5,7 @@
     <p:sldMasterId id="2147483659" r:id="rId1"/>
   </p:sldMasterIdLst>
   <p:notesMasterIdLst>
-    <p:notesMasterId r:id="rId13"/>
+    <p:notesMasterId r:id="rId19"/>
   </p:notesMasterIdLst>
   <p:sldIdLst>
     <p:sldId id="256" r:id="rId2"/>
@@ -18,22 +18,28 @@
     <p:sldId id="370" r:id="rId9"/>
     <p:sldId id="371" r:id="rId10"/>
     <p:sldId id="372" r:id="rId11"/>
-    <p:sldId id="278" r:id="rId12"/>
+    <p:sldId id="373" r:id="rId12"/>
+    <p:sldId id="374" r:id="rId13"/>
+    <p:sldId id="375" r:id="rId14"/>
+    <p:sldId id="376" r:id="rId15"/>
+    <p:sldId id="377" r:id="rId16"/>
+    <p:sldId id="378" r:id="rId17"/>
+    <p:sldId id="278" r:id="rId18"/>
   </p:sldIdLst>
   <p:sldSz cx="9144000" cy="5143500" type="screen16x9"/>
   <p:notesSz cx="6858000" cy="9144000"/>
   <p:embeddedFontLst>
     <p:embeddedFont>
-      <p:font typeface="Varela Round" panose="02020500000000000000" charset="-79"/>
-      <p:regular r:id="rId14"/>
-    </p:embeddedFont>
-    <p:embeddedFont>
-      <p:font typeface="源樣黑體 TTF Light" panose="020B0300000000000000" pitchFamily="34" charset="-120"/>
-      <p:regular r:id="rId15"/>
+      <p:font typeface="源樣黑體 TTF Light" panose="02020500000000000000" charset="-120"/>
+      <p:regular r:id="rId20"/>
     </p:embeddedFont>
     <p:embeddedFont>
       <p:font typeface="Nixie One" panose="02020500000000000000" charset="0"/>
-      <p:regular r:id="rId16"/>
+      <p:regular r:id="rId21"/>
+    </p:embeddedFont>
+    <p:embeddedFont>
+      <p:font typeface="Varela Round" panose="02020500000000000000" charset="-79"/>
+      <p:regular r:id="rId22"/>
     </p:embeddedFont>
   </p:embeddedFontLst>
   <p:defaultTextStyle>
@@ -806,7 +812,7 @@
               </a:spcAft>
               <a:buNone/>
             </a:pPr>
-            <a:endParaRPr/>
+            <a:endParaRPr dirty="0"/>
           </a:p>
         </p:txBody>
       </p:sp>
@@ -932,6 +938,664 @@
   <p:cSld>
     <p:spTree>
       <p:nvGrpSpPr>
+        <p:cNvPr id="1" name="Shape 228"/>
+        <p:cNvGrpSpPr/>
+        <p:nvPr/>
+      </p:nvGrpSpPr>
+      <p:grpSpPr>
+        <a:xfrm>
+          <a:off x="0" y="0"/>
+          <a:ext cx="0" cy="0"/>
+          <a:chOff x="0" y="0"/>
+          <a:chExt cx="0" cy="0"/>
+        </a:xfrm>
+      </p:grpSpPr>
+      <p:sp>
+        <p:nvSpPr>
+          <p:cNvPr id="229" name="Google Shape;229;p:notes"/>
+          <p:cNvSpPr>
+            <a:spLocks noGrp="1" noRot="1" noChangeAspect="1"/>
+          </p:cNvSpPr>
+          <p:nvPr>
+            <p:ph type="sldImg" idx="2"/>
+          </p:nvPr>
+        </p:nvSpPr>
+        <p:spPr>
+          <a:xfrm>
+            <a:off x="381000" y="685800"/>
+            <a:ext cx="6096000" cy="3429000"/>
+          </a:xfrm>
+          <a:custGeom>
+            <a:avLst/>
+            <a:gdLst/>
+            <a:ahLst/>
+            <a:cxnLst/>
+            <a:rect l="l" t="t" r="r" b="b"/>
+            <a:pathLst>
+              <a:path w="120000" h="120000" extrusionOk="0">
+                <a:moveTo>
+                  <a:pt x="0" y="0"/>
+                </a:moveTo>
+                <a:lnTo>
+                  <a:pt x="120000" y="0"/>
+                </a:lnTo>
+                <a:lnTo>
+                  <a:pt x="120000" y="120000"/>
+                </a:lnTo>
+                <a:lnTo>
+                  <a:pt x="0" y="120000"/>
+                </a:lnTo>
+                <a:close/>
+              </a:path>
+            </a:pathLst>
+          </a:custGeom>
+        </p:spPr>
+      </p:sp>
+      <p:sp>
+        <p:nvSpPr>
+          <p:cNvPr id="230" name="Google Shape;230;p:notes"/>
+          <p:cNvSpPr txBox="1">
+            <a:spLocks noGrp="1"/>
+          </p:cNvSpPr>
+          <p:nvPr>
+            <p:ph type="body" idx="1"/>
+          </p:nvPr>
+        </p:nvSpPr>
+        <p:spPr>
+          <a:xfrm>
+            <a:off x="685800" y="4343400"/>
+            <a:ext cx="5486400" cy="4114800"/>
+          </a:xfrm>
+          <a:prstGeom prst="rect">
+            <a:avLst/>
+          </a:prstGeom>
+        </p:spPr>
+        <p:txBody>
+          <a:bodyPr spcFirstLastPara="1" wrap="square" lIns="91425" tIns="91425" rIns="91425" bIns="91425" anchor="t" anchorCtr="0">
+            <a:noAutofit/>
+          </a:bodyPr>
+          <a:lstStyle/>
+          <a:p>
+            <a:pPr marL="0" lvl="0" indent="0" algn="l" rtl="0">
+              <a:spcBef>
+                <a:spcPts val="0"/>
+              </a:spcBef>
+              <a:spcAft>
+                <a:spcPts val="0"/>
+              </a:spcAft>
+              <a:buNone/>
+            </a:pPr>
+            <a:endParaRPr/>
+          </a:p>
+        </p:txBody>
+      </p:sp>
+    </p:spTree>
+    <p:extLst>
+      <p:ext uri="{BB962C8B-B14F-4D97-AF65-F5344CB8AC3E}">
+        <p14:creationId xmlns:p14="http://schemas.microsoft.com/office/powerpoint/2010/main" val="1256195650"/>
+      </p:ext>
+    </p:extLst>
+  </p:cSld>
+  <p:clrMapOvr>
+    <a:masterClrMapping/>
+  </p:clrMapOvr>
+</p:notes>
+</file>
+
+<file path=ppt/notesSlides/notesSlide12.xml><?xml version="1.0" encoding="utf-8"?>
+<p:notes xmlns:a="http://schemas.openxmlformats.org/drawingml/2006/main" xmlns:r="http://schemas.openxmlformats.org/officeDocument/2006/relationships" xmlns:p="http://schemas.openxmlformats.org/presentationml/2006/main" showMasterSp="0" showMasterPhAnim="0">
+  <p:cSld>
+    <p:spTree>
+      <p:nvGrpSpPr>
+        <p:cNvPr id="1" name="Shape 228"/>
+        <p:cNvGrpSpPr/>
+        <p:nvPr/>
+      </p:nvGrpSpPr>
+      <p:grpSpPr>
+        <a:xfrm>
+          <a:off x="0" y="0"/>
+          <a:ext cx="0" cy="0"/>
+          <a:chOff x="0" y="0"/>
+          <a:chExt cx="0" cy="0"/>
+        </a:xfrm>
+      </p:grpSpPr>
+      <p:sp>
+        <p:nvSpPr>
+          <p:cNvPr id="229" name="Google Shape;229;p:notes"/>
+          <p:cNvSpPr>
+            <a:spLocks noGrp="1" noRot="1" noChangeAspect="1"/>
+          </p:cNvSpPr>
+          <p:nvPr>
+            <p:ph type="sldImg" idx="2"/>
+          </p:nvPr>
+        </p:nvSpPr>
+        <p:spPr>
+          <a:xfrm>
+            <a:off x="381000" y="685800"/>
+            <a:ext cx="6096000" cy="3429000"/>
+          </a:xfrm>
+          <a:custGeom>
+            <a:avLst/>
+            <a:gdLst/>
+            <a:ahLst/>
+            <a:cxnLst/>
+            <a:rect l="l" t="t" r="r" b="b"/>
+            <a:pathLst>
+              <a:path w="120000" h="120000" extrusionOk="0">
+                <a:moveTo>
+                  <a:pt x="0" y="0"/>
+                </a:moveTo>
+                <a:lnTo>
+                  <a:pt x="120000" y="0"/>
+                </a:lnTo>
+                <a:lnTo>
+                  <a:pt x="120000" y="120000"/>
+                </a:lnTo>
+                <a:lnTo>
+                  <a:pt x="0" y="120000"/>
+                </a:lnTo>
+                <a:close/>
+              </a:path>
+            </a:pathLst>
+          </a:custGeom>
+        </p:spPr>
+      </p:sp>
+      <p:sp>
+        <p:nvSpPr>
+          <p:cNvPr id="230" name="Google Shape;230;p:notes"/>
+          <p:cNvSpPr txBox="1">
+            <a:spLocks noGrp="1"/>
+          </p:cNvSpPr>
+          <p:nvPr>
+            <p:ph type="body" idx="1"/>
+          </p:nvPr>
+        </p:nvSpPr>
+        <p:spPr>
+          <a:xfrm>
+            <a:off x="685800" y="4343400"/>
+            <a:ext cx="5486400" cy="4114800"/>
+          </a:xfrm>
+          <a:prstGeom prst="rect">
+            <a:avLst/>
+          </a:prstGeom>
+        </p:spPr>
+        <p:txBody>
+          <a:bodyPr spcFirstLastPara="1" wrap="square" lIns="91425" tIns="91425" rIns="91425" bIns="91425" anchor="t" anchorCtr="0">
+            <a:noAutofit/>
+          </a:bodyPr>
+          <a:lstStyle/>
+          <a:p>
+            <a:pPr marL="0" lvl="0" indent="0" algn="l" rtl="0">
+              <a:spcBef>
+                <a:spcPts val="0"/>
+              </a:spcBef>
+              <a:spcAft>
+                <a:spcPts val="0"/>
+              </a:spcAft>
+              <a:buNone/>
+            </a:pPr>
+            <a:endParaRPr/>
+          </a:p>
+        </p:txBody>
+      </p:sp>
+    </p:spTree>
+    <p:extLst>
+      <p:ext uri="{BB962C8B-B14F-4D97-AF65-F5344CB8AC3E}">
+        <p14:creationId xmlns:p14="http://schemas.microsoft.com/office/powerpoint/2010/main" val="4034340315"/>
+      </p:ext>
+    </p:extLst>
+  </p:cSld>
+  <p:clrMapOvr>
+    <a:masterClrMapping/>
+  </p:clrMapOvr>
+</p:notes>
+</file>
+
+<file path=ppt/notesSlides/notesSlide13.xml><?xml version="1.0" encoding="utf-8"?>
+<p:notes xmlns:a="http://schemas.openxmlformats.org/drawingml/2006/main" xmlns:r="http://schemas.openxmlformats.org/officeDocument/2006/relationships" xmlns:p="http://schemas.openxmlformats.org/presentationml/2006/main" showMasterSp="0" showMasterPhAnim="0">
+  <p:cSld>
+    <p:spTree>
+      <p:nvGrpSpPr>
+        <p:cNvPr id="1" name="Shape 228"/>
+        <p:cNvGrpSpPr/>
+        <p:nvPr/>
+      </p:nvGrpSpPr>
+      <p:grpSpPr>
+        <a:xfrm>
+          <a:off x="0" y="0"/>
+          <a:ext cx="0" cy="0"/>
+          <a:chOff x="0" y="0"/>
+          <a:chExt cx="0" cy="0"/>
+        </a:xfrm>
+      </p:grpSpPr>
+      <p:sp>
+        <p:nvSpPr>
+          <p:cNvPr id="229" name="Google Shape;229;p:notes"/>
+          <p:cNvSpPr>
+            <a:spLocks noGrp="1" noRot="1" noChangeAspect="1"/>
+          </p:cNvSpPr>
+          <p:nvPr>
+            <p:ph type="sldImg" idx="2"/>
+          </p:nvPr>
+        </p:nvSpPr>
+        <p:spPr>
+          <a:xfrm>
+            <a:off x="381000" y="685800"/>
+            <a:ext cx="6096000" cy="3429000"/>
+          </a:xfrm>
+          <a:custGeom>
+            <a:avLst/>
+            <a:gdLst/>
+            <a:ahLst/>
+            <a:cxnLst/>
+            <a:rect l="l" t="t" r="r" b="b"/>
+            <a:pathLst>
+              <a:path w="120000" h="120000" extrusionOk="0">
+                <a:moveTo>
+                  <a:pt x="0" y="0"/>
+                </a:moveTo>
+                <a:lnTo>
+                  <a:pt x="120000" y="0"/>
+                </a:lnTo>
+                <a:lnTo>
+                  <a:pt x="120000" y="120000"/>
+                </a:lnTo>
+                <a:lnTo>
+                  <a:pt x="0" y="120000"/>
+                </a:lnTo>
+                <a:close/>
+              </a:path>
+            </a:pathLst>
+          </a:custGeom>
+        </p:spPr>
+      </p:sp>
+      <p:sp>
+        <p:nvSpPr>
+          <p:cNvPr id="230" name="Google Shape;230;p:notes"/>
+          <p:cNvSpPr txBox="1">
+            <a:spLocks noGrp="1"/>
+          </p:cNvSpPr>
+          <p:nvPr>
+            <p:ph type="body" idx="1"/>
+          </p:nvPr>
+        </p:nvSpPr>
+        <p:spPr>
+          <a:xfrm>
+            <a:off x="685800" y="4343400"/>
+            <a:ext cx="5486400" cy="4114800"/>
+          </a:xfrm>
+          <a:prstGeom prst="rect">
+            <a:avLst/>
+          </a:prstGeom>
+        </p:spPr>
+        <p:txBody>
+          <a:bodyPr spcFirstLastPara="1" wrap="square" lIns="91425" tIns="91425" rIns="91425" bIns="91425" anchor="t" anchorCtr="0">
+            <a:noAutofit/>
+          </a:bodyPr>
+          <a:lstStyle/>
+          <a:p>
+            <a:pPr marL="0" lvl="0" indent="0" algn="l" rtl="0">
+              <a:spcBef>
+                <a:spcPts val="0"/>
+              </a:spcBef>
+              <a:spcAft>
+                <a:spcPts val="0"/>
+              </a:spcAft>
+              <a:buNone/>
+            </a:pPr>
+            <a:endParaRPr/>
+          </a:p>
+        </p:txBody>
+      </p:sp>
+    </p:spTree>
+    <p:extLst>
+      <p:ext uri="{BB962C8B-B14F-4D97-AF65-F5344CB8AC3E}">
+        <p14:creationId xmlns:p14="http://schemas.microsoft.com/office/powerpoint/2010/main" val="780125385"/>
+      </p:ext>
+    </p:extLst>
+  </p:cSld>
+  <p:clrMapOvr>
+    <a:masterClrMapping/>
+  </p:clrMapOvr>
+</p:notes>
+</file>
+
+<file path=ppt/notesSlides/notesSlide14.xml><?xml version="1.0" encoding="utf-8"?>
+<p:notes xmlns:a="http://schemas.openxmlformats.org/drawingml/2006/main" xmlns:r="http://schemas.openxmlformats.org/officeDocument/2006/relationships" xmlns:p="http://schemas.openxmlformats.org/presentationml/2006/main" showMasterSp="0" showMasterPhAnim="0">
+  <p:cSld>
+    <p:spTree>
+      <p:nvGrpSpPr>
+        <p:cNvPr id="1" name="Shape 228"/>
+        <p:cNvGrpSpPr/>
+        <p:nvPr/>
+      </p:nvGrpSpPr>
+      <p:grpSpPr>
+        <a:xfrm>
+          <a:off x="0" y="0"/>
+          <a:ext cx="0" cy="0"/>
+          <a:chOff x="0" y="0"/>
+          <a:chExt cx="0" cy="0"/>
+        </a:xfrm>
+      </p:grpSpPr>
+      <p:sp>
+        <p:nvSpPr>
+          <p:cNvPr id="229" name="Google Shape;229;p:notes"/>
+          <p:cNvSpPr>
+            <a:spLocks noGrp="1" noRot="1" noChangeAspect="1"/>
+          </p:cNvSpPr>
+          <p:nvPr>
+            <p:ph type="sldImg" idx="2"/>
+          </p:nvPr>
+        </p:nvSpPr>
+        <p:spPr>
+          <a:xfrm>
+            <a:off x="381000" y="685800"/>
+            <a:ext cx="6096000" cy="3429000"/>
+          </a:xfrm>
+          <a:custGeom>
+            <a:avLst/>
+            <a:gdLst/>
+            <a:ahLst/>
+            <a:cxnLst/>
+            <a:rect l="l" t="t" r="r" b="b"/>
+            <a:pathLst>
+              <a:path w="120000" h="120000" extrusionOk="0">
+                <a:moveTo>
+                  <a:pt x="0" y="0"/>
+                </a:moveTo>
+                <a:lnTo>
+                  <a:pt x="120000" y="0"/>
+                </a:lnTo>
+                <a:lnTo>
+                  <a:pt x="120000" y="120000"/>
+                </a:lnTo>
+                <a:lnTo>
+                  <a:pt x="0" y="120000"/>
+                </a:lnTo>
+                <a:close/>
+              </a:path>
+            </a:pathLst>
+          </a:custGeom>
+        </p:spPr>
+      </p:sp>
+      <p:sp>
+        <p:nvSpPr>
+          <p:cNvPr id="230" name="Google Shape;230;p:notes"/>
+          <p:cNvSpPr txBox="1">
+            <a:spLocks noGrp="1"/>
+          </p:cNvSpPr>
+          <p:nvPr>
+            <p:ph type="body" idx="1"/>
+          </p:nvPr>
+        </p:nvSpPr>
+        <p:spPr>
+          <a:xfrm>
+            <a:off x="685800" y="4343400"/>
+            <a:ext cx="5486400" cy="4114800"/>
+          </a:xfrm>
+          <a:prstGeom prst="rect">
+            <a:avLst/>
+          </a:prstGeom>
+        </p:spPr>
+        <p:txBody>
+          <a:bodyPr spcFirstLastPara="1" wrap="square" lIns="91425" tIns="91425" rIns="91425" bIns="91425" anchor="t" anchorCtr="0">
+            <a:noAutofit/>
+          </a:bodyPr>
+          <a:lstStyle/>
+          <a:p>
+            <a:pPr marL="0" lvl="0" indent="0" algn="l" rtl="0">
+              <a:spcBef>
+                <a:spcPts val="0"/>
+              </a:spcBef>
+              <a:spcAft>
+                <a:spcPts val="0"/>
+              </a:spcAft>
+              <a:buNone/>
+            </a:pPr>
+            <a:endParaRPr/>
+          </a:p>
+        </p:txBody>
+      </p:sp>
+    </p:spTree>
+    <p:extLst>
+      <p:ext uri="{BB962C8B-B14F-4D97-AF65-F5344CB8AC3E}">
+        <p14:creationId xmlns:p14="http://schemas.microsoft.com/office/powerpoint/2010/main" val="105105749"/>
+      </p:ext>
+    </p:extLst>
+  </p:cSld>
+  <p:clrMapOvr>
+    <a:masterClrMapping/>
+  </p:clrMapOvr>
+</p:notes>
+</file>
+
+<file path=ppt/notesSlides/notesSlide15.xml><?xml version="1.0" encoding="utf-8"?>
+<p:notes xmlns:a="http://schemas.openxmlformats.org/drawingml/2006/main" xmlns:r="http://schemas.openxmlformats.org/officeDocument/2006/relationships" xmlns:p="http://schemas.openxmlformats.org/presentationml/2006/main" showMasterSp="0" showMasterPhAnim="0">
+  <p:cSld>
+    <p:spTree>
+      <p:nvGrpSpPr>
+        <p:cNvPr id="1" name="Shape 228"/>
+        <p:cNvGrpSpPr/>
+        <p:nvPr/>
+      </p:nvGrpSpPr>
+      <p:grpSpPr>
+        <a:xfrm>
+          <a:off x="0" y="0"/>
+          <a:ext cx="0" cy="0"/>
+          <a:chOff x="0" y="0"/>
+          <a:chExt cx="0" cy="0"/>
+        </a:xfrm>
+      </p:grpSpPr>
+      <p:sp>
+        <p:nvSpPr>
+          <p:cNvPr id="229" name="Google Shape;229;p:notes"/>
+          <p:cNvSpPr>
+            <a:spLocks noGrp="1" noRot="1" noChangeAspect="1"/>
+          </p:cNvSpPr>
+          <p:nvPr>
+            <p:ph type="sldImg" idx="2"/>
+          </p:nvPr>
+        </p:nvSpPr>
+        <p:spPr>
+          <a:xfrm>
+            <a:off x="381000" y="685800"/>
+            <a:ext cx="6096000" cy="3429000"/>
+          </a:xfrm>
+          <a:custGeom>
+            <a:avLst/>
+            <a:gdLst/>
+            <a:ahLst/>
+            <a:cxnLst/>
+            <a:rect l="l" t="t" r="r" b="b"/>
+            <a:pathLst>
+              <a:path w="120000" h="120000" extrusionOk="0">
+                <a:moveTo>
+                  <a:pt x="0" y="0"/>
+                </a:moveTo>
+                <a:lnTo>
+                  <a:pt x="120000" y="0"/>
+                </a:lnTo>
+                <a:lnTo>
+                  <a:pt x="120000" y="120000"/>
+                </a:lnTo>
+                <a:lnTo>
+                  <a:pt x="0" y="120000"/>
+                </a:lnTo>
+                <a:close/>
+              </a:path>
+            </a:pathLst>
+          </a:custGeom>
+        </p:spPr>
+      </p:sp>
+      <p:sp>
+        <p:nvSpPr>
+          <p:cNvPr id="230" name="Google Shape;230;p:notes"/>
+          <p:cNvSpPr txBox="1">
+            <a:spLocks noGrp="1"/>
+          </p:cNvSpPr>
+          <p:nvPr>
+            <p:ph type="body" idx="1"/>
+          </p:nvPr>
+        </p:nvSpPr>
+        <p:spPr>
+          <a:xfrm>
+            <a:off x="685800" y="4343400"/>
+            <a:ext cx="5486400" cy="4114800"/>
+          </a:xfrm>
+          <a:prstGeom prst="rect">
+            <a:avLst/>
+          </a:prstGeom>
+        </p:spPr>
+        <p:txBody>
+          <a:bodyPr spcFirstLastPara="1" wrap="square" lIns="91425" tIns="91425" rIns="91425" bIns="91425" anchor="t" anchorCtr="0">
+            <a:noAutofit/>
+          </a:bodyPr>
+          <a:lstStyle/>
+          <a:p>
+            <a:pPr marL="0" lvl="0" indent="0" algn="l" rtl="0">
+              <a:spcBef>
+                <a:spcPts val="0"/>
+              </a:spcBef>
+              <a:spcAft>
+                <a:spcPts val="0"/>
+              </a:spcAft>
+              <a:buNone/>
+            </a:pPr>
+            <a:endParaRPr/>
+          </a:p>
+        </p:txBody>
+      </p:sp>
+    </p:spTree>
+    <p:extLst>
+      <p:ext uri="{BB962C8B-B14F-4D97-AF65-F5344CB8AC3E}">
+        <p14:creationId xmlns:p14="http://schemas.microsoft.com/office/powerpoint/2010/main" val="1662537648"/>
+      </p:ext>
+    </p:extLst>
+  </p:cSld>
+  <p:clrMapOvr>
+    <a:masterClrMapping/>
+  </p:clrMapOvr>
+</p:notes>
+</file>
+
+<file path=ppt/notesSlides/notesSlide16.xml><?xml version="1.0" encoding="utf-8"?>
+<p:notes xmlns:a="http://schemas.openxmlformats.org/drawingml/2006/main" xmlns:r="http://schemas.openxmlformats.org/officeDocument/2006/relationships" xmlns:p="http://schemas.openxmlformats.org/presentationml/2006/main" showMasterSp="0" showMasterPhAnim="0">
+  <p:cSld>
+    <p:spTree>
+      <p:nvGrpSpPr>
+        <p:cNvPr id="1" name="Shape 312"/>
+        <p:cNvGrpSpPr/>
+        <p:nvPr/>
+      </p:nvGrpSpPr>
+      <p:grpSpPr>
+        <a:xfrm>
+          <a:off x="0" y="0"/>
+          <a:ext cx="0" cy="0"/>
+          <a:chOff x="0" y="0"/>
+          <a:chExt cx="0" cy="0"/>
+        </a:xfrm>
+      </p:grpSpPr>
+      <p:sp>
+        <p:nvSpPr>
+          <p:cNvPr id="313" name="Google Shape;313;g35ed75ccf_028:notes"/>
+          <p:cNvSpPr>
+            <a:spLocks noGrp="1" noRot="1" noChangeAspect="1"/>
+          </p:cNvSpPr>
+          <p:nvPr>
+            <p:ph type="sldImg" idx="2"/>
+          </p:nvPr>
+        </p:nvSpPr>
+        <p:spPr>
+          <a:xfrm>
+            <a:off x="381000" y="685800"/>
+            <a:ext cx="6096000" cy="3429000"/>
+          </a:xfrm>
+          <a:custGeom>
+            <a:avLst/>
+            <a:gdLst/>
+            <a:ahLst/>
+            <a:cxnLst/>
+            <a:rect l="l" t="t" r="r" b="b"/>
+            <a:pathLst>
+              <a:path w="120000" h="120000" extrusionOk="0">
+                <a:moveTo>
+                  <a:pt x="0" y="0"/>
+                </a:moveTo>
+                <a:lnTo>
+                  <a:pt x="120000" y="0"/>
+                </a:lnTo>
+                <a:lnTo>
+                  <a:pt x="120000" y="120000"/>
+                </a:lnTo>
+                <a:lnTo>
+                  <a:pt x="0" y="120000"/>
+                </a:lnTo>
+                <a:close/>
+              </a:path>
+            </a:pathLst>
+          </a:custGeom>
+        </p:spPr>
+      </p:sp>
+      <p:sp>
+        <p:nvSpPr>
+          <p:cNvPr id="314" name="Google Shape;314;g35ed75ccf_028:notes"/>
+          <p:cNvSpPr txBox="1">
+            <a:spLocks noGrp="1"/>
+          </p:cNvSpPr>
+          <p:nvPr>
+            <p:ph type="body" idx="1"/>
+          </p:nvPr>
+        </p:nvSpPr>
+        <p:spPr>
+          <a:xfrm>
+            <a:off x="685800" y="4343400"/>
+            <a:ext cx="5486400" cy="4114800"/>
+          </a:xfrm>
+          <a:prstGeom prst="rect">
+            <a:avLst/>
+          </a:prstGeom>
+        </p:spPr>
+        <p:txBody>
+          <a:bodyPr spcFirstLastPara="1" wrap="square" lIns="91425" tIns="91425" rIns="91425" bIns="91425" anchor="t" anchorCtr="0">
+            <a:noAutofit/>
+          </a:bodyPr>
+          <a:lstStyle/>
+          <a:p>
+            <a:pPr marL="0" lvl="0" indent="0" algn="l" rtl="0">
+              <a:spcBef>
+                <a:spcPts val="0"/>
+              </a:spcBef>
+              <a:spcAft>
+                <a:spcPts val="0"/>
+              </a:spcAft>
+              <a:buNone/>
+            </a:pPr>
+            <a:r>
+              <a:rPr lang="en-US" altLang="zh-TW" dirty="0"/>
+              <a:t>Maybe break here</a:t>
+            </a:r>
+            <a:endParaRPr dirty="0"/>
+          </a:p>
+        </p:txBody>
+      </p:sp>
+    </p:spTree>
+    <p:extLst>
+      <p:ext uri="{BB962C8B-B14F-4D97-AF65-F5344CB8AC3E}">
+        <p14:creationId xmlns:p14="http://schemas.microsoft.com/office/powerpoint/2010/main" val="1386672232"/>
+      </p:ext>
+    </p:extLst>
+  </p:cSld>
+  <p:clrMapOvr>
+    <a:masterClrMapping/>
+  </p:clrMapOvr>
+</p:notes>
+</file>
+
+<file path=ppt/notesSlides/notesSlide17.xml><?xml version="1.0" encoding="utf-8"?>
+<p:notes xmlns:a="http://schemas.openxmlformats.org/drawingml/2006/main" xmlns:r="http://schemas.openxmlformats.org/officeDocument/2006/relationships" xmlns:p="http://schemas.openxmlformats.org/presentationml/2006/main" showMasterSp="0" showMasterPhAnim="0">
+  <p:cSld>
+    <p:spTree>
+      <p:nvGrpSpPr>
         <p:cNvPr id="1" name="Shape 418"/>
         <p:cNvGrpSpPr/>
         <p:nvPr/>
@@ -1123,7 +1787,7 @@
               </a:spcAft>
               <a:buNone/>
             </a:pPr>
-            <a:endParaRPr/>
+            <a:endParaRPr dirty="0"/>
           </a:p>
         </p:txBody>
       </p:sp>
@@ -1232,7 +1896,7 @@
               </a:spcAft>
               <a:buNone/>
             </a:pPr>
-            <a:endParaRPr/>
+            <a:endParaRPr dirty="0"/>
           </a:p>
         </p:txBody>
       </p:sp>
@@ -1342,11 +2006,11 @@
               <a:buNone/>
             </a:pPr>
             <a:r>
-              <a:rPr lang="en-US" dirty="0" smtClean="0"/>
+              <a:rPr lang="en-US" dirty="0"/>
               <a:t>asking students</a:t>
             </a:r>
             <a:r>
-              <a:rPr lang="en-US" baseline="0" dirty="0" smtClean="0"/>
+              <a:rPr lang="en-US" baseline="0" dirty="0"/>
               <a:t> about their thoughts</a:t>
             </a:r>
             <a:endParaRPr dirty="0"/>
@@ -1458,7 +2122,7 @@
               </a:spcAft>
               <a:buNone/>
             </a:pPr>
-            <a:endParaRPr/>
+            <a:endParaRPr dirty="0"/>
           </a:p>
         </p:txBody>
       </p:sp>
@@ -1786,7 +2450,7 @@
               <a:buNone/>
             </a:pPr>
             <a:r>
-              <a:rPr lang="en-US" altLang="zh-TW" dirty="0" smtClean="0"/>
+              <a:rPr lang="en-US" altLang="zh-TW" dirty="0"/>
               <a:t>Maybe break here</a:t>
             </a:r>
             <a:endParaRPr dirty="0"/>
@@ -9001,11 +9665,11 @@
               <a:buNone/>
             </a:pPr>
             <a:r>
-              <a:rPr lang="en-US" altLang="zh-TW" dirty="0" smtClean="0"/>
+              <a:rPr lang="en-US" altLang="zh-TW" dirty="0"/>
               <a:t>Python</a:t>
             </a:r>
             <a:br>
-              <a:rPr lang="en-US" altLang="zh-TW" dirty="0" smtClean="0"/>
+              <a:rPr lang="en-US" altLang="zh-TW" dirty="0"/>
             </a:br>
             <a:r>
               <a:rPr lang="zh-TW" altLang="en-US" dirty="0">
@@ -9282,24 +9946,14 @@
           <a:p>
             <a:pPr algn="ctr"/>
             <a:r>
-              <a:rPr lang="en-US" altLang="zh-TW" dirty="0" err="1" smtClean="0">
+              <a:rPr lang="en-US" altLang="zh-TW" dirty="0">
                 <a:solidFill>
                   <a:schemeClr val="tx2"/>
                 </a:solidFill>
                 <a:latin typeface="Varela Round" panose="02020500000000000000" charset="-79"/>
                 <a:cs typeface="Varela Round" panose="02020500000000000000" charset="-79"/>
               </a:rPr>
-              <a:t>Pai</a:t>
-            </a:r>
-            <a:r>
-              <a:rPr lang="en-US" altLang="zh-TW" dirty="0" smtClean="0">
-                <a:solidFill>
-                  <a:schemeClr val="tx2"/>
-                </a:solidFill>
-                <a:latin typeface="Varela Round" panose="02020500000000000000" charset="-79"/>
-                <a:cs typeface="Varela Round" panose="02020500000000000000" charset="-79"/>
-              </a:rPr>
-              <a:t>-Chun Liu</a:t>
+              <a:t>Pai-Chun Liu</a:t>
             </a:r>
             <a:endParaRPr lang="zh-TW" altLang="en-US" dirty="0">
               <a:solidFill>
@@ -9316,13 +9970,6 @@
   <p:clrMapOvr>
     <a:masterClrMapping/>
   </p:clrMapOvr>
-  <p:timing>
-    <p:tnLst>
-      <p:par>
-        <p:cTn id="1" dur="indefinite" restart="never" nodeType="tmRoot"/>
-      </p:par>
-    </p:tnLst>
-  </p:timing>
 </p:sld>
 </file>
 
@@ -9420,10 +10067,97 @@
               <a:buFont typeface="+mj-lt"/>
               <a:buAutoNum type="arabicPeriod"/>
             </a:pPr>
-            <a:endParaRPr lang="en-US" altLang="zh-TW" sz="1800" dirty="0" smtClean="0">
+            <a:r>
+              <a:rPr lang="en-US" altLang="zh-TW" sz="1800" dirty="0" err="1">
+                <a:latin typeface="+mn-lt"/>
+                <a:ea typeface="源樣黑體 TTF Light" panose="020B0300000000000000" pitchFamily="34" charset="-120"/>
+              </a:rPr>
+              <a:t>Decompostion</a:t>
+            </a:r>
+            <a:endParaRPr lang="en-US" altLang="zh-TW" sz="1800" dirty="0">
               <a:latin typeface="+mn-lt"/>
               <a:ea typeface="源樣黑體 TTF Light" panose="020B0300000000000000" pitchFamily="34" charset="-120"/>
             </a:endParaRPr>
+          </a:p>
+          <a:p>
+            <a:pPr>
+              <a:buFont typeface="+mj-lt"/>
+              <a:buAutoNum type="arabicPeriod"/>
+            </a:pPr>
+            <a:endParaRPr lang="en-US" altLang="zh-TW" sz="1800" dirty="0">
+              <a:latin typeface="+mn-lt"/>
+              <a:ea typeface="源樣黑體 TTF Light" panose="020B0300000000000000" pitchFamily="34" charset="-120"/>
+            </a:endParaRPr>
+          </a:p>
+          <a:p>
+            <a:pPr>
+              <a:buFont typeface="+mj-lt"/>
+              <a:buAutoNum type="arabicPeriod"/>
+            </a:pPr>
+            <a:r>
+              <a:rPr lang="en-US" altLang="zh-TW" sz="1800" dirty="0">
+                <a:latin typeface="+mn-lt"/>
+                <a:ea typeface="源樣黑體 TTF Light" panose="020B0300000000000000" pitchFamily="34" charset="-120"/>
+              </a:rPr>
+              <a:t>Pattern Recognition</a:t>
+            </a:r>
+          </a:p>
+          <a:p>
+            <a:pPr>
+              <a:buFont typeface="+mj-lt"/>
+              <a:buAutoNum type="arabicPeriod"/>
+            </a:pPr>
+            <a:endParaRPr lang="en-US" altLang="zh-TW" sz="1800" dirty="0">
+              <a:latin typeface="+mn-lt"/>
+              <a:ea typeface="源樣黑體 TTF Light" panose="020B0300000000000000" pitchFamily="34" charset="-120"/>
+            </a:endParaRPr>
+          </a:p>
+          <a:p>
+            <a:pPr>
+              <a:buFont typeface="+mj-lt"/>
+              <a:buAutoNum type="arabicPeriod"/>
+            </a:pPr>
+            <a:r>
+              <a:rPr lang="en-US" altLang="zh-TW" sz="1800" dirty="0">
+                <a:latin typeface="+mn-lt"/>
+                <a:ea typeface="源樣黑體 TTF Light" panose="020B0300000000000000" pitchFamily="34" charset="-120"/>
+              </a:rPr>
+              <a:t>Pattern Generalization and </a:t>
+            </a:r>
+            <a:r>
+              <a:rPr lang="en-US" altLang="zh-TW" sz="1800" dirty="0" err="1">
+                <a:latin typeface="+mn-lt"/>
+                <a:ea typeface="源樣黑體 TTF Light" panose="020B0300000000000000" pitchFamily="34" charset="-120"/>
+              </a:rPr>
+              <a:t>Abstration</a:t>
+            </a:r>
+            <a:endParaRPr lang="en-US" altLang="zh-TW" sz="1800" dirty="0">
+              <a:latin typeface="+mn-lt"/>
+              <a:ea typeface="源樣黑體 TTF Light" panose="020B0300000000000000" pitchFamily="34" charset="-120"/>
+            </a:endParaRPr>
+          </a:p>
+          <a:p>
+            <a:pPr>
+              <a:buFont typeface="+mj-lt"/>
+              <a:buAutoNum type="arabicPeriod"/>
+            </a:pPr>
+            <a:endParaRPr lang="en-US" altLang="zh-TW" sz="1800" dirty="0">
+              <a:latin typeface="+mn-lt"/>
+              <a:ea typeface="源樣黑體 TTF Light" panose="020B0300000000000000" pitchFamily="34" charset="-120"/>
+            </a:endParaRPr>
+          </a:p>
+          <a:p>
+            <a:pPr>
+              <a:buFont typeface="+mj-lt"/>
+              <a:buAutoNum type="arabicPeriod"/>
+            </a:pPr>
+            <a:r>
+              <a:rPr lang="en-US" altLang="zh-TW" sz="1800" dirty="0">
+                <a:latin typeface="+mn-lt"/>
+                <a:ea typeface="源樣黑體 TTF Light" panose="020B0300000000000000" pitchFamily="34" charset="-120"/>
+              </a:rPr>
+              <a:t>Algorithm</a:t>
+            </a:r>
           </a:p>
         </p:txBody>
       </p:sp>
@@ -9479,17 +10213,1439 @@
   <p:clrMapOvr>
     <a:masterClrMapping/>
   </p:clrMapOvr>
-  <p:timing>
-    <p:tnLst>
-      <p:par>
-        <p:cTn id="1" dur="indefinite" restart="never" nodeType="tmRoot"/>
-      </p:par>
-    </p:tnLst>
-  </p:timing>
 </p:sld>
 </file>
 
 <file path=ppt/slides/slide11.xml><?xml version="1.0" encoding="utf-8"?>
+<p:sld xmlns:a="http://schemas.openxmlformats.org/drawingml/2006/main" xmlns:r="http://schemas.openxmlformats.org/officeDocument/2006/relationships" xmlns:p="http://schemas.openxmlformats.org/presentationml/2006/main">
+  <p:cSld>
+    <p:spTree>
+      <p:nvGrpSpPr>
+        <p:cNvPr id="1" name="Shape 231"/>
+        <p:cNvGrpSpPr/>
+        <p:nvPr/>
+      </p:nvGrpSpPr>
+      <p:grpSpPr>
+        <a:xfrm>
+          <a:off x="0" y="0"/>
+          <a:ext cx="0" cy="0"/>
+          <a:chOff x="0" y="0"/>
+          <a:chExt cx="0" cy="0"/>
+        </a:xfrm>
+      </p:grpSpPr>
+      <p:sp>
+        <p:nvSpPr>
+          <p:cNvPr id="232" name="Google Shape;232;p18"/>
+          <p:cNvSpPr txBox="1">
+            <a:spLocks noGrp="1"/>
+          </p:cNvSpPr>
+          <p:nvPr>
+            <p:ph type="title"/>
+          </p:nvPr>
+        </p:nvSpPr>
+        <p:spPr>
+          <a:xfrm>
+            <a:off x="2935875" y="909050"/>
+            <a:ext cx="5275500" cy="641100"/>
+          </a:xfrm>
+          <a:prstGeom prst="rect">
+            <a:avLst/>
+          </a:prstGeom>
+        </p:spPr>
+        <p:txBody>
+          <a:bodyPr spcFirstLastPara="1" wrap="square" lIns="91425" tIns="91425" rIns="91425" bIns="91425" anchor="b" anchorCtr="0">
+            <a:noAutofit/>
+          </a:bodyPr>
+          <a:lstStyle/>
+          <a:p>
+            <a:pPr marL="0" lvl="0" indent="0" algn="l" rtl="0">
+              <a:spcBef>
+                <a:spcPts val="0"/>
+              </a:spcBef>
+              <a:spcAft>
+                <a:spcPts val="0"/>
+              </a:spcAft>
+              <a:buNone/>
+            </a:pPr>
+            <a:r>
+              <a:rPr lang="zh-TW" altLang="en-US" sz="3200" dirty="0">
+                <a:latin typeface="源樣黑體 TTF Light" panose="020B0300000000000000" pitchFamily="34" charset="-120"/>
+                <a:ea typeface="源樣黑體 TTF Light" panose="020B0300000000000000" pitchFamily="34" charset="-120"/>
+              </a:rPr>
+              <a:t>運算思維</a:t>
+            </a:r>
+            <a:endParaRPr sz="3200" dirty="0">
+              <a:latin typeface="源樣黑體 TTF Light" panose="020B0300000000000000" pitchFamily="34" charset="-120"/>
+              <a:ea typeface="源樣黑體 TTF Light" panose="020B0300000000000000" pitchFamily="34" charset="-120"/>
+            </a:endParaRPr>
+          </a:p>
+        </p:txBody>
+      </p:sp>
+      <p:sp>
+        <p:nvSpPr>
+          <p:cNvPr id="233" name="Google Shape;233;p18"/>
+          <p:cNvSpPr txBox="1">
+            <a:spLocks noGrp="1"/>
+          </p:cNvSpPr>
+          <p:nvPr>
+            <p:ph type="body" idx="1"/>
+          </p:nvPr>
+        </p:nvSpPr>
+        <p:spPr>
+          <a:xfrm>
+            <a:off x="2935875" y="1525758"/>
+            <a:ext cx="5275500" cy="2786100"/>
+          </a:xfrm>
+          <a:prstGeom prst="rect">
+            <a:avLst/>
+          </a:prstGeom>
+        </p:spPr>
+        <p:txBody>
+          <a:bodyPr spcFirstLastPara="1" wrap="square" lIns="91425" tIns="91425" rIns="91425" bIns="91425" anchor="t" anchorCtr="0">
+            <a:noAutofit/>
+          </a:bodyPr>
+          <a:lstStyle/>
+          <a:p>
+            <a:pPr>
+              <a:buFont typeface="+mj-lt"/>
+              <a:buAutoNum type="arabicPeriod"/>
+            </a:pPr>
+            <a:r>
+              <a:rPr lang="zh-TW" altLang="en-US" sz="1800" dirty="0">
+                <a:latin typeface="+mn-lt"/>
+                <a:ea typeface="源樣黑體 TTF Light" panose="020B0300000000000000" pitchFamily="34" charset="-120"/>
+              </a:rPr>
+              <a:t>拆解</a:t>
+            </a:r>
+            <a:endParaRPr lang="en-US" altLang="zh-TW" sz="1800" dirty="0">
+              <a:latin typeface="+mn-lt"/>
+              <a:ea typeface="源樣黑體 TTF Light" panose="020B0300000000000000" pitchFamily="34" charset="-120"/>
+            </a:endParaRPr>
+          </a:p>
+          <a:p>
+            <a:pPr>
+              <a:buFont typeface="+mj-lt"/>
+              <a:buAutoNum type="arabicPeriod"/>
+            </a:pPr>
+            <a:endParaRPr lang="en-US" altLang="zh-TW" sz="1800" dirty="0">
+              <a:latin typeface="+mn-lt"/>
+              <a:ea typeface="源樣黑體 TTF Light" panose="020B0300000000000000" pitchFamily="34" charset="-120"/>
+            </a:endParaRPr>
+          </a:p>
+          <a:p>
+            <a:pPr>
+              <a:buFont typeface="+mj-lt"/>
+              <a:buAutoNum type="arabicPeriod"/>
+            </a:pPr>
+            <a:r>
+              <a:rPr lang="zh-TW" altLang="en-US" sz="1800" dirty="0">
+                <a:latin typeface="+mn-lt"/>
+                <a:ea typeface="源樣黑體 TTF Light" panose="020B0300000000000000" pitchFamily="34" charset="-120"/>
+              </a:rPr>
+              <a:t>尋找規律</a:t>
+            </a:r>
+            <a:endParaRPr lang="en-US" altLang="zh-TW" sz="1800" dirty="0">
+              <a:latin typeface="+mn-lt"/>
+              <a:ea typeface="源樣黑體 TTF Light" panose="020B0300000000000000" pitchFamily="34" charset="-120"/>
+            </a:endParaRPr>
+          </a:p>
+          <a:p>
+            <a:pPr>
+              <a:buFont typeface="+mj-lt"/>
+              <a:buAutoNum type="arabicPeriod"/>
+            </a:pPr>
+            <a:endParaRPr lang="en-US" altLang="zh-TW" sz="1800" dirty="0">
+              <a:latin typeface="+mn-lt"/>
+              <a:ea typeface="源樣黑體 TTF Light" panose="020B0300000000000000" pitchFamily="34" charset="-120"/>
+            </a:endParaRPr>
+          </a:p>
+          <a:p>
+            <a:pPr>
+              <a:buFont typeface="+mj-lt"/>
+              <a:buAutoNum type="arabicPeriod"/>
+            </a:pPr>
+            <a:r>
+              <a:rPr lang="zh-TW" altLang="en-US" sz="1800" dirty="0">
+                <a:latin typeface="+mn-lt"/>
+                <a:ea typeface="源樣黑體 TTF Light" panose="020B0300000000000000" pitchFamily="34" charset="-120"/>
+              </a:rPr>
+              <a:t>歸納與抽象化</a:t>
+            </a:r>
+            <a:endParaRPr lang="en-US" altLang="zh-TW" sz="1800" dirty="0">
+              <a:latin typeface="+mn-lt"/>
+              <a:ea typeface="源樣黑體 TTF Light" panose="020B0300000000000000" pitchFamily="34" charset="-120"/>
+            </a:endParaRPr>
+          </a:p>
+          <a:p>
+            <a:pPr>
+              <a:buFont typeface="+mj-lt"/>
+              <a:buAutoNum type="arabicPeriod"/>
+            </a:pPr>
+            <a:endParaRPr lang="en-US" altLang="zh-TW" sz="1800" dirty="0">
+              <a:latin typeface="+mn-lt"/>
+              <a:ea typeface="源樣黑體 TTF Light" panose="020B0300000000000000" pitchFamily="34" charset="-120"/>
+            </a:endParaRPr>
+          </a:p>
+          <a:p>
+            <a:pPr>
+              <a:buFont typeface="+mj-lt"/>
+              <a:buAutoNum type="arabicPeriod"/>
+            </a:pPr>
+            <a:r>
+              <a:rPr lang="zh-TW" altLang="en-US" sz="1800" dirty="0">
+                <a:latin typeface="+mn-lt"/>
+                <a:ea typeface="源樣黑體 TTF Light" panose="020B0300000000000000" pitchFamily="34" charset="-120"/>
+              </a:rPr>
+              <a:t>演算法</a:t>
+            </a:r>
+            <a:endParaRPr lang="en-US" altLang="zh-TW" sz="1800" dirty="0">
+              <a:latin typeface="+mn-lt"/>
+              <a:ea typeface="源樣黑體 TTF Light" panose="020B0300000000000000" pitchFamily="34" charset="-120"/>
+            </a:endParaRPr>
+          </a:p>
+        </p:txBody>
+      </p:sp>
+      <p:sp>
+        <p:nvSpPr>
+          <p:cNvPr id="234" name="Google Shape;234;p18"/>
+          <p:cNvSpPr txBox="1">
+            <a:spLocks noGrp="1"/>
+          </p:cNvSpPr>
+          <p:nvPr>
+            <p:ph type="sldNum" idx="12"/>
+          </p:nvPr>
+        </p:nvSpPr>
+        <p:spPr>
+          <a:xfrm>
+            <a:off x="8635625" y="4751625"/>
+            <a:ext cx="469800" cy="391500"/>
+          </a:xfrm>
+          <a:prstGeom prst="rect">
+            <a:avLst/>
+          </a:prstGeom>
+        </p:spPr>
+        <p:txBody>
+          <a:bodyPr spcFirstLastPara="1" wrap="square" lIns="91425" tIns="91425" rIns="91425" bIns="91425" anchor="t" anchorCtr="0">
+            <a:noAutofit/>
+          </a:bodyPr>
+          <a:lstStyle/>
+          <a:p>
+            <a:pPr marL="0" lvl="0" indent="0" algn="r" rtl="0">
+              <a:spcBef>
+                <a:spcPts val="0"/>
+              </a:spcBef>
+              <a:spcAft>
+                <a:spcPts val="0"/>
+              </a:spcAft>
+              <a:buNone/>
+            </a:pPr>
+            <a:fld id="{00000000-1234-1234-1234-123412341234}" type="slidenum">
+              <a:rPr lang="en"/>
+              <a:t>11</a:t>
+            </a:fld>
+            <a:endParaRPr/>
+          </a:p>
+        </p:txBody>
+      </p:sp>
+    </p:spTree>
+    <p:extLst>
+      <p:ext uri="{BB962C8B-B14F-4D97-AF65-F5344CB8AC3E}">
+        <p14:creationId xmlns:p14="http://schemas.microsoft.com/office/powerpoint/2010/main" val="1211671948"/>
+      </p:ext>
+    </p:extLst>
+  </p:cSld>
+  <p:clrMapOvr>
+    <a:masterClrMapping/>
+  </p:clrMapOvr>
+</p:sld>
+</file>
+
+<file path=ppt/slides/slide12.xml><?xml version="1.0" encoding="utf-8"?>
+<p:sld xmlns:a="http://schemas.openxmlformats.org/drawingml/2006/main" xmlns:r="http://schemas.openxmlformats.org/officeDocument/2006/relationships" xmlns:p="http://schemas.openxmlformats.org/presentationml/2006/main">
+  <p:cSld>
+    <p:spTree>
+      <p:nvGrpSpPr>
+        <p:cNvPr id="1" name="Shape 231"/>
+        <p:cNvGrpSpPr/>
+        <p:nvPr/>
+      </p:nvGrpSpPr>
+      <p:grpSpPr>
+        <a:xfrm>
+          <a:off x="0" y="0"/>
+          <a:ext cx="0" cy="0"/>
+          <a:chOff x="0" y="0"/>
+          <a:chExt cx="0" cy="0"/>
+        </a:xfrm>
+      </p:grpSpPr>
+      <p:sp>
+        <p:nvSpPr>
+          <p:cNvPr id="232" name="Google Shape;232;p18"/>
+          <p:cNvSpPr txBox="1">
+            <a:spLocks noGrp="1"/>
+          </p:cNvSpPr>
+          <p:nvPr>
+            <p:ph type="title"/>
+          </p:nvPr>
+        </p:nvSpPr>
+        <p:spPr>
+          <a:xfrm>
+            <a:off x="2935875" y="909050"/>
+            <a:ext cx="5275500" cy="641100"/>
+          </a:xfrm>
+          <a:prstGeom prst="rect">
+            <a:avLst/>
+          </a:prstGeom>
+        </p:spPr>
+        <p:txBody>
+          <a:bodyPr spcFirstLastPara="1" wrap="square" lIns="91425" tIns="91425" rIns="91425" bIns="91425" anchor="b" anchorCtr="0">
+            <a:noAutofit/>
+          </a:bodyPr>
+          <a:lstStyle/>
+          <a:p>
+            <a:r>
+              <a:rPr lang="zh-TW" altLang="en-US" sz="3200" dirty="0">
+                <a:latin typeface="+mn-lt"/>
+                <a:ea typeface="源樣黑體 TTF Light" panose="020B0300000000000000" pitchFamily="34" charset="-120"/>
+              </a:rPr>
+              <a:t>拆解</a:t>
+            </a:r>
+            <a:endParaRPr lang="en-US" altLang="zh-TW" sz="3200" dirty="0">
+              <a:latin typeface="+mn-lt"/>
+              <a:ea typeface="源樣黑體 TTF Light" panose="020B0300000000000000" pitchFamily="34" charset="-120"/>
+            </a:endParaRPr>
+          </a:p>
+        </p:txBody>
+      </p:sp>
+      <p:sp>
+        <p:nvSpPr>
+          <p:cNvPr id="233" name="Google Shape;233;p18"/>
+          <p:cNvSpPr txBox="1">
+            <a:spLocks noGrp="1"/>
+          </p:cNvSpPr>
+          <p:nvPr>
+            <p:ph type="body" idx="1"/>
+          </p:nvPr>
+        </p:nvSpPr>
+        <p:spPr>
+          <a:xfrm>
+            <a:off x="2935875" y="1525758"/>
+            <a:ext cx="5275500" cy="2786100"/>
+          </a:xfrm>
+          <a:prstGeom prst="rect">
+            <a:avLst/>
+          </a:prstGeom>
+        </p:spPr>
+        <p:txBody>
+          <a:bodyPr spcFirstLastPara="1" wrap="square" lIns="91425" tIns="91425" rIns="91425" bIns="91425" anchor="t" anchorCtr="0">
+            <a:noAutofit/>
+          </a:bodyPr>
+          <a:lstStyle/>
+          <a:p>
+            <a:r>
+              <a:rPr lang="zh-TW" altLang="en-US" sz="1800" dirty="0">
+                <a:latin typeface="+mn-lt"/>
+                <a:ea typeface="源樣黑體 TTF Light" panose="020B0300000000000000" pitchFamily="34" charset="-120"/>
+              </a:rPr>
+              <a:t>將一個任務或問題拆解成很多部分</a:t>
+            </a:r>
+            <a:endParaRPr lang="en-US" altLang="zh-TW" sz="1800" dirty="0">
+              <a:latin typeface="+mn-lt"/>
+              <a:ea typeface="源樣黑體 TTF Light" panose="020B0300000000000000" pitchFamily="34" charset="-120"/>
+            </a:endParaRPr>
+          </a:p>
+          <a:p>
+            <a:endParaRPr lang="en-US" altLang="zh-TW" sz="1800" dirty="0">
+              <a:latin typeface="+mn-lt"/>
+              <a:ea typeface="源樣黑體 TTF Light" panose="020B0300000000000000" pitchFamily="34" charset="-120"/>
+            </a:endParaRPr>
+          </a:p>
+          <a:p>
+            <a:r>
+              <a:rPr lang="zh-TW" altLang="en-US" sz="1800" dirty="0">
+                <a:latin typeface="+mn-lt"/>
+                <a:ea typeface="源樣黑體 TTF Light" panose="020B0300000000000000" pitchFamily="34" charset="-120"/>
+              </a:rPr>
+              <a:t>例如</a:t>
+            </a:r>
+            <a:r>
+              <a:rPr lang="en-US" altLang="zh-TW" sz="1800" dirty="0">
+                <a:latin typeface="+mn-lt"/>
+                <a:ea typeface="源樣黑體 TTF Light" panose="020B0300000000000000" pitchFamily="34" charset="-120"/>
+              </a:rPr>
+              <a:t>:</a:t>
+            </a:r>
+          </a:p>
+          <a:p>
+            <a:pPr marL="76200" indent="0">
+              <a:buNone/>
+            </a:pPr>
+            <a:r>
+              <a:rPr lang="en-US" altLang="zh-TW" sz="1800" dirty="0">
+                <a:latin typeface="+mn-lt"/>
+                <a:ea typeface="源樣黑體 TTF Light" panose="020B0300000000000000" pitchFamily="34" charset="-120"/>
+              </a:rPr>
+              <a:t>	</a:t>
+            </a:r>
+            <a:r>
+              <a:rPr lang="zh-TW" altLang="en-US" sz="1800" dirty="0">
+                <a:latin typeface="+mn-lt"/>
+                <a:ea typeface="源樣黑體 TTF Light" panose="020B0300000000000000" pitchFamily="34" charset="-120"/>
+              </a:rPr>
+              <a:t>我想要知道一個數字是不是質數</a:t>
+            </a:r>
+            <a:endParaRPr lang="en-US" altLang="zh-TW" sz="1800" dirty="0">
+              <a:latin typeface="+mn-lt"/>
+              <a:ea typeface="源樣黑體 TTF Light" panose="020B0300000000000000" pitchFamily="34" charset="-120"/>
+            </a:endParaRPr>
+          </a:p>
+          <a:p>
+            <a:pPr marL="76200" indent="0">
+              <a:buNone/>
+            </a:pPr>
+            <a:endParaRPr lang="en-US" altLang="zh-TW" sz="1800" dirty="0">
+              <a:latin typeface="+mn-lt"/>
+              <a:ea typeface="源樣黑體 TTF Light" panose="020B0300000000000000" pitchFamily="34" charset="-120"/>
+            </a:endParaRPr>
+          </a:p>
+          <a:p>
+            <a:pPr marL="76200" indent="0">
+              <a:buNone/>
+            </a:pPr>
+            <a:r>
+              <a:rPr lang="en-US" altLang="zh-TW" sz="1800" dirty="0">
+                <a:latin typeface="+mn-lt"/>
+                <a:ea typeface="源樣黑體 TTF Light" panose="020B0300000000000000" pitchFamily="34" charset="-120"/>
+              </a:rPr>
+              <a:t>	</a:t>
+            </a:r>
+            <a:r>
+              <a:rPr lang="zh-TW" altLang="en-US" sz="1800" dirty="0">
+                <a:latin typeface="+mn-lt"/>
+                <a:ea typeface="源樣黑體 TTF Light" panose="020B0300000000000000" pitchFamily="34" charset="-120"/>
+              </a:rPr>
+              <a:t>質數是什麼？</a:t>
+            </a:r>
+            <a:r>
+              <a:rPr lang="en-US" altLang="zh-TW" sz="1800" dirty="0">
+                <a:latin typeface="+mn-lt"/>
+                <a:ea typeface="源樣黑體 TTF Light" panose="020B0300000000000000" pitchFamily="34" charset="-120"/>
+              </a:rPr>
+              <a:t>	</a:t>
+            </a:r>
+          </a:p>
+          <a:p>
+            <a:endParaRPr lang="en-US" altLang="zh-TW" sz="1800" dirty="0">
+              <a:latin typeface="+mn-lt"/>
+              <a:ea typeface="源樣黑體 TTF Light" panose="020B0300000000000000" pitchFamily="34" charset="-120"/>
+            </a:endParaRPr>
+          </a:p>
+        </p:txBody>
+      </p:sp>
+      <p:sp>
+        <p:nvSpPr>
+          <p:cNvPr id="234" name="Google Shape;234;p18"/>
+          <p:cNvSpPr txBox="1">
+            <a:spLocks noGrp="1"/>
+          </p:cNvSpPr>
+          <p:nvPr>
+            <p:ph type="sldNum" idx="12"/>
+          </p:nvPr>
+        </p:nvSpPr>
+        <p:spPr>
+          <a:xfrm>
+            <a:off x="8635625" y="4751625"/>
+            <a:ext cx="469800" cy="391500"/>
+          </a:xfrm>
+          <a:prstGeom prst="rect">
+            <a:avLst/>
+          </a:prstGeom>
+        </p:spPr>
+        <p:txBody>
+          <a:bodyPr spcFirstLastPara="1" wrap="square" lIns="91425" tIns="91425" rIns="91425" bIns="91425" anchor="t" anchorCtr="0">
+            <a:noAutofit/>
+          </a:bodyPr>
+          <a:lstStyle/>
+          <a:p>
+            <a:pPr marL="0" lvl="0" indent="0" algn="r" rtl="0">
+              <a:spcBef>
+                <a:spcPts val="0"/>
+              </a:spcBef>
+              <a:spcAft>
+                <a:spcPts val="0"/>
+              </a:spcAft>
+              <a:buNone/>
+            </a:pPr>
+            <a:fld id="{00000000-1234-1234-1234-123412341234}" type="slidenum">
+              <a:rPr lang="en"/>
+              <a:t>12</a:t>
+            </a:fld>
+            <a:endParaRPr/>
+          </a:p>
+        </p:txBody>
+      </p:sp>
+    </p:spTree>
+    <p:extLst>
+      <p:ext uri="{BB962C8B-B14F-4D97-AF65-F5344CB8AC3E}">
+        <p14:creationId xmlns:p14="http://schemas.microsoft.com/office/powerpoint/2010/main" val="3448614817"/>
+      </p:ext>
+    </p:extLst>
+  </p:cSld>
+  <p:clrMapOvr>
+    <a:masterClrMapping/>
+  </p:clrMapOvr>
+</p:sld>
+</file>
+
+<file path=ppt/slides/slide13.xml><?xml version="1.0" encoding="utf-8"?>
+<p:sld xmlns:a="http://schemas.openxmlformats.org/drawingml/2006/main" xmlns:r="http://schemas.openxmlformats.org/officeDocument/2006/relationships" xmlns:p="http://schemas.openxmlformats.org/presentationml/2006/main">
+  <p:cSld>
+    <p:spTree>
+      <p:nvGrpSpPr>
+        <p:cNvPr id="1" name="Shape 231"/>
+        <p:cNvGrpSpPr/>
+        <p:nvPr/>
+      </p:nvGrpSpPr>
+      <p:grpSpPr>
+        <a:xfrm>
+          <a:off x="0" y="0"/>
+          <a:ext cx="0" cy="0"/>
+          <a:chOff x="0" y="0"/>
+          <a:chExt cx="0" cy="0"/>
+        </a:xfrm>
+      </p:grpSpPr>
+      <p:sp>
+        <p:nvSpPr>
+          <p:cNvPr id="232" name="Google Shape;232;p18"/>
+          <p:cNvSpPr txBox="1">
+            <a:spLocks noGrp="1"/>
+          </p:cNvSpPr>
+          <p:nvPr>
+            <p:ph type="title"/>
+          </p:nvPr>
+        </p:nvSpPr>
+        <p:spPr>
+          <a:xfrm>
+            <a:off x="2935875" y="909050"/>
+            <a:ext cx="5275500" cy="641100"/>
+          </a:xfrm>
+          <a:prstGeom prst="rect">
+            <a:avLst/>
+          </a:prstGeom>
+        </p:spPr>
+        <p:txBody>
+          <a:bodyPr spcFirstLastPara="1" wrap="square" lIns="91425" tIns="91425" rIns="91425" bIns="91425" anchor="b" anchorCtr="0">
+            <a:noAutofit/>
+          </a:bodyPr>
+          <a:lstStyle/>
+          <a:p>
+            <a:r>
+              <a:rPr lang="zh-TW" altLang="en-US" sz="3200" dirty="0">
+                <a:latin typeface="+mn-lt"/>
+                <a:ea typeface="源樣黑體 TTF Light" panose="020B0300000000000000" pitchFamily="34" charset="-120"/>
+              </a:rPr>
+              <a:t>尋找規律</a:t>
+            </a:r>
+            <a:endParaRPr lang="en-US" altLang="zh-TW" sz="3200" dirty="0">
+              <a:latin typeface="+mn-lt"/>
+              <a:ea typeface="源樣黑體 TTF Light" panose="020B0300000000000000" pitchFamily="34" charset="-120"/>
+            </a:endParaRPr>
+          </a:p>
+        </p:txBody>
+      </p:sp>
+      <p:sp>
+        <p:nvSpPr>
+          <p:cNvPr id="233" name="Google Shape;233;p18"/>
+          <p:cNvSpPr txBox="1">
+            <a:spLocks noGrp="1"/>
+          </p:cNvSpPr>
+          <p:nvPr>
+            <p:ph type="body" idx="1"/>
+          </p:nvPr>
+        </p:nvSpPr>
+        <p:spPr>
+          <a:xfrm>
+            <a:off x="2935875" y="1525758"/>
+            <a:ext cx="5275500" cy="2786100"/>
+          </a:xfrm>
+          <a:prstGeom prst="rect">
+            <a:avLst/>
+          </a:prstGeom>
+        </p:spPr>
+        <p:txBody>
+          <a:bodyPr spcFirstLastPara="1" wrap="square" lIns="91425" tIns="91425" rIns="91425" bIns="91425" anchor="t" anchorCtr="0">
+            <a:noAutofit/>
+          </a:bodyPr>
+          <a:lstStyle/>
+          <a:p>
+            <a:r>
+              <a:rPr lang="zh-TW" altLang="en-US" sz="1800" dirty="0">
+                <a:latin typeface="+mn-lt"/>
+                <a:ea typeface="源樣黑體 TTF Light" panose="020B0300000000000000" pitchFamily="34" charset="-120"/>
+              </a:rPr>
+              <a:t>從過去的經驗尋找每個問題的解答</a:t>
+            </a:r>
+            <a:endParaRPr lang="en-US" altLang="zh-TW" sz="1800" dirty="0">
+              <a:latin typeface="+mn-lt"/>
+              <a:ea typeface="源樣黑體 TTF Light" panose="020B0300000000000000" pitchFamily="34" charset="-120"/>
+            </a:endParaRPr>
+          </a:p>
+          <a:p>
+            <a:endParaRPr lang="en-US" altLang="zh-TW" sz="1800" dirty="0">
+              <a:latin typeface="+mn-lt"/>
+              <a:ea typeface="源樣黑體 TTF Light" panose="020B0300000000000000" pitchFamily="34" charset="-120"/>
+            </a:endParaRPr>
+          </a:p>
+          <a:p>
+            <a:r>
+              <a:rPr lang="zh-TW" altLang="en-US" sz="1800" dirty="0">
+                <a:latin typeface="+mn-lt"/>
+                <a:ea typeface="源樣黑體 TTF Light" panose="020B0300000000000000" pitchFamily="34" charset="-120"/>
+              </a:rPr>
+              <a:t>例如</a:t>
+            </a:r>
+            <a:r>
+              <a:rPr lang="en-US" altLang="zh-TW" sz="1800" dirty="0">
+                <a:latin typeface="+mn-lt"/>
+                <a:ea typeface="源樣黑體 TTF Light" panose="020B0300000000000000" pitchFamily="34" charset="-120"/>
+              </a:rPr>
+              <a:t>:</a:t>
+            </a:r>
+          </a:p>
+          <a:p>
+            <a:pPr marL="76200" indent="0">
+              <a:buNone/>
+            </a:pPr>
+            <a:r>
+              <a:rPr lang="en-US" altLang="zh-TW" sz="1800" dirty="0">
+                <a:latin typeface="+mn-lt"/>
+                <a:ea typeface="源樣黑體 TTF Light" panose="020B0300000000000000" pitchFamily="34" charset="-120"/>
+              </a:rPr>
+              <a:t>	0</a:t>
+            </a:r>
+            <a:r>
+              <a:rPr lang="zh-TW" altLang="en-US" sz="1800" dirty="0">
+                <a:latin typeface="+mn-lt"/>
+                <a:ea typeface="源樣黑體 TTF Light" panose="020B0300000000000000" pitchFamily="34" charset="-120"/>
+              </a:rPr>
+              <a:t>與</a:t>
+            </a:r>
+            <a:r>
+              <a:rPr lang="en-US" altLang="zh-TW" sz="1800" dirty="0">
+                <a:latin typeface="+mn-lt"/>
+                <a:ea typeface="源樣黑體 TTF Light" panose="020B0300000000000000" pitchFamily="34" charset="-120"/>
+              </a:rPr>
+              <a:t>1</a:t>
+            </a:r>
+            <a:r>
+              <a:rPr lang="zh-TW" altLang="en-US" sz="1800" dirty="0">
+                <a:latin typeface="+mn-lt"/>
+                <a:ea typeface="源樣黑體 TTF Light" panose="020B0300000000000000" pitchFamily="34" charset="-120"/>
+              </a:rPr>
+              <a:t>不是質數</a:t>
+            </a:r>
+            <a:endParaRPr lang="en-US" altLang="zh-TW" sz="1800" dirty="0">
+              <a:latin typeface="+mn-lt"/>
+              <a:ea typeface="源樣黑體 TTF Light" panose="020B0300000000000000" pitchFamily="34" charset="-120"/>
+            </a:endParaRPr>
+          </a:p>
+          <a:p>
+            <a:pPr marL="76200" indent="0">
+              <a:buNone/>
+            </a:pPr>
+            <a:r>
+              <a:rPr lang="en-US" altLang="zh-TW" sz="1800" dirty="0">
+                <a:latin typeface="+mn-lt"/>
+                <a:ea typeface="源樣黑體 TTF Light" panose="020B0300000000000000" pitchFamily="34" charset="-120"/>
+              </a:rPr>
+              <a:t>	</a:t>
+            </a:r>
+          </a:p>
+          <a:p>
+            <a:pPr marL="76200" indent="0">
+              <a:buNone/>
+            </a:pPr>
+            <a:r>
+              <a:rPr lang="en-US" altLang="zh-TW" sz="1800" dirty="0">
+                <a:latin typeface="+mn-lt"/>
+                <a:ea typeface="源樣黑體 TTF Light" panose="020B0300000000000000" pitchFamily="34" charset="-120"/>
+              </a:rPr>
+              <a:t>	</a:t>
+            </a:r>
+            <a:r>
+              <a:rPr lang="zh-TW" altLang="en-US" sz="1800" dirty="0">
+                <a:latin typeface="+mn-lt"/>
+                <a:ea typeface="源樣黑體 TTF Light" panose="020B0300000000000000" pitchFamily="34" charset="-120"/>
+              </a:rPr>
+              <a:t>沒有除了</a:t>
+            </a:r>
+            <a:r>
+              <a:rPr lang="en-US" altLang="zh-TW" sz="1800" dirty="0">
+                <a:latin typeface="+mn-lt"/>
+                <a:ea typeface="源樣黑體 TTF Light" panose="020B0300000000000000" pitchFamily="34" charset="-120"/>
+              </a:rPr>
+              <a:t>1</a:t>
+            </a:r>
+            <a:r>
+              <a:rPr lang="zh-TW" altLang="en-US" sz="1800" dirty="0">
+                <a:latin typeface="+mn-lt"/>
+                <a:ea typeface="源樣黑體 TTF Light" panose="020B0300000000000000" pitchFamily="34" charset="-120"/>
+              </a:rPr>
+              <a:t>和自己以外的因數</a:t>
+            </a:r>
+            <a:endParaRPr lang="en-US" altLang="zh-TW" sz="1800" dirty="0">
+              <a:latin typeface="+mn-lt"/>
+              <a:ea typeface="源樣黑體 TTF Light" panose="020B0300000000000000" pitchFamily="34" charset="-120"/>
+            </a:endParaRPr>
+          </a:p>
+          <a:p>
+            <a:endParaRPr lang="en-US" altLang="zh-TW" sz="1800" dirty="0">
+              <a:latin typeface="+mn-lt"/>
+              <a:ea typeface="源樣黑體 TTF Light" panose="020B0300000000000000" pitchFamily="34" charset="-120"/>
+            </a:endParaRPr>
+          </a:p>
+        </p:txBody>
+      </p:sp>
+      <p:sp>
+        <p:nvSpPr>
+          <p:cNvPr id="234" name="Google Shape;234;p18"/>
+          <p:cNvSpPr txBox="1">
+            <a:spLocks noGrp="1"/>
+          </p:cNvSpPr>
+          <p:nvPr>
+            <p:ph type="sldNum" idx="12"/>
+          </p:nvPr>
+        </p:nvSpPr>
+        <p:spPr>
+          <a:xfrm>
+            <a:off x="8635625" y="4751625"/>
+            <a:ext cx="469800" cy="391500"/>
+          </a:xfrm>
+          <a:prstGeom prst="rect">
+            <a:avLst/>
+          </a:prstGeom>
+        </p:spPr>
+        <p:txBody>
+          <a:bodyPr spcFirstLastPara="1" wrap="square" lIns="91425" tIns="91425" rIns="91425" bIns="91425" anchor="t" anchorCtr="0">
+            <a:noAutofit/>
+          </a:bodyPr>
+          <a:lstStyle/>
+          <a:p>
+            <a:pPr marL="0" lvl="0" indent="0" algn="r" rtl="0">
+              <a:spcBef>
+                <a:spcPts val="0"/>
+              </a:spcBef>
+              <a:spcAft>
+                <a:spcPts val="0"/>
+              </a:spcAft>
+              <a:buNone/>
+            </a:pPr>
+            <a:fld id="{00000000-1234-1234-1234-123412341234}" type="slidenum">
+              <a:rPr lang="en"/>
+              <a:t>13</a:t>
+            </a:fld>
+            <a:endParaRPr/>
+          </a:p>
+        </p:txBody>
+      </p:sp>
+    </p:spTree>
+    <p:extLst>
+      <p:ext uri="{BB962C8B-B14F-4D97-AF65-F5344CB8AC3E}">
+        <p14:creationId xmlns:p14="http://schemas.microsoft.com/office/powerpoint/2010/main" val="4217200224"/>
+      </p:ext>
+    </p:extLst>
+  </p:cSld>
+  <p:clrMapOvr>
+    <a:masterClrMapping/>
+  </p:clrMapOvr>
+</p:sld>
+</file>
+
+<file path=ppt/slides/slide14.xml><?xml version="1.0" encoding="utf-8"?>
+<p:sld xmlns:a="http://schemas.openxmlformats.org/drawingml/2006/main" xmlns:r="http://schemas.openxmlformats.org/officeDocument/2006/relationships" xmlns:p="http://schemas.openxmlformats.org/presentationml/2006/main">
+  <p:cSld>
+    <p:spTree>
+      <p:nvGrpSpPr>
+        <p:cNvPr id="1" name="Shape 231"/>
+        <p:cNvGrpSpPr/>
+        <p:nvPr/>
+      </p:nvGrpSpPr>
+      <p:grpSpPr>
+        <a:xfrm>
+          <a:off x="0" y="0"/>
+          <a:ext cx="0" cy="0"/>
+          <a:chOff x="0" y="0"/>
+          <a:chExt cx="0" cy="0"/>
+        </a:xfrm>
+      </p:grpSpPr>
+      <p:sp>
+        <p:nvSpPr>
+          <p:cNvPr id="232" name="Google Shape;232;p18"/>
+          <p:cNvSpPr txBox="1">
+            <a:spLocks noGrp="1"/>
+          </p:cNvSpPr>
+          <p:nvPr>
+            <p:ph type="title"/>
+          </p:nvPr>
+        </p:nvSpPr>
+        <p:spPr>
+          <a:xfrm>
+            <a:off x="2935875" y="909050"/>
+            <a:ext cx="5275500" cy="641100"/>
+          </a:xfrm>
+          <a:prstGeom prst="rect">
+            <a:avLst/>
+          </a:prstGeom>
+        </p:spPr>
+        <p:txBody>
+          <a:bodyPr spcFirstLastPara="1" wrap="square" lIns="91425" tIns="91425" rIns="91425" bIns="91425" anchor="b" anchorCtr="0">
+            <a:noAutofit/>
+          </a:bodyPr>
+          <a:lstStyle/>
+          <a:p>
+            <a:r>
+              <a:rPr lang="zh-TW" altLang="en-US" sz="3200" dirty="0">
+                <a:latin typeface="+mn-lt"/>
+                <a:ea typeface="源樣黑體 TTF Light" panose="020B0300000000000000" pitchFamily="34" charset="-120"/>
+              </a:rPr>
+              <a:t>歸納與抽象化</a:t>
+            </a:r>
+            <a:endParaRPr lang="en-US" altLang="zh-TW" sz="3200" dirty="0">
+              <a:latin typeface="+mn-lt"/>
+              <a:ea typeface="源樣黑體 TTF Light" panose="020B0300000000000000" pitchFamily="34" charset="-120"/>
+            </a:endParaRPr>
+          </a:p>
+        </p:txBody>
+      </p:sp>
+      <p:sp>
+        <p:nvSpPr>
+          <p:cNvPr id="233" name="Google Shape;233;p18"/>
+          <p:cNvSpPr txBox="1">
+            <a:spLocks noGrp="1"/>
+          </p:cNvSpPr>
+          <p:nvPr>
+            <p:ph type="body" idx="1"/>
+          </p:nvPr>
+        </p:nvSpPr>
+        <p:spPr>
+          <a:xfrm>
+            <a:off x="2935875" y="1525758"/>
+            <a:ext cx="5275500" cy="2786100"/>
+          </a:xfrm>
+          <a:prstGeom prst="rect">
+            <a:avLst/>
+          </a:prstGeom>
+        </p:spPr>
+        <p:txBody>
+          <a:bodyPr spcFirstLastPara="1" wrap="square" lIns="91425" tIns="91425" rIns="91425" bIns="91425" anchor="t" anchorCtr="0">
+            <a:noAutofit/>
+          </a:bodyPr>
+          <a:lstStyle/>
+          <a:p>
+            <a:r>
+              <a:rPr lang="zh-TW" altLang="en-US" sz="1800" dirty="0">
+                <a:latin typeface="+mn-lt"/>
+                <a:ea typeface="源樣黑體 TTF Light" panose="020B0300000000000000" pitchFamily="34" charset="-120"/>
+              </a:rPr>
+              <a:t>從這些經驗中找出關鍵細節，並化作解答問題的方法</a:t>
+            </a:r>
+            <a:endParaRPr lang="en-US" altLang="zh-TW" sz="1800" dirty="0">
+              <a:latin typeface="+mn-lt"/>
+              <a:ea typeface="源樣黑體 TTF Light" panose="020B0300000000000000" pitchFamily="34" charset="-120"/>
+            </a:endParaRPr>
+          </a:p>
+          <a:p>
+            <a:endParaRPr lang="en-US" altLang="zh-TW" sz="1800" dirty="0">
+              <a:latin typeface="+mn-lt"/>
+              <a:ea typeface="源樣黑體 TTF Light" panose="020B0300000000000000" pitchFamily="34" charset="-120"/>
+            </a:endParaRPr>
+          </a:p>
+          <a:p>
+            <a:r>
+              <a:rPr lang="zh-TW" altLang="en-US" sz="1800" dirty="0">
+                <a:latin typeface="+mn-lt"/>
+                <a:ea typeface="源樣黑體 TTF Light" panose="020B0300000000000000" pitchFamily="34" charset="-120"/>
+              </a:rPr>
+              <a:t>例如</a:t>
+            </a:r>
+            <a:r>
+              <a:rPr lang="en-US" altLang="zh-TW" sz="1800" dirty="0">
+                <a:latin typeface="+mn-lt"/>
+                <a:ea typeface="源樣黑體 TTF Light" panose="020B0300000000000000" pitchFamily="34" charset="-120"/>
+              </a:rPr>
+              <a:t>:</a:t>
+            </a:r>
+          </a:p>
+          <a:p>
+            <a:pPr marL="76200" indent="0">
+              <a:buNone/>
+            </a:pPr>
+            <a:r>
+              <a:rPr lang="en-US" altLang="zh-TW" sz="1800" dirty="0">
+                <a:latin typeface="+mn-lt"/>
+                <a:ea typeface="源樣黑體 TTF Light" panose="020B0300000000000000" pitchFamily="34" charset="-120"/>
+              </a:rPr>
+              <a:t>	</a:t>
+            </a:r>
+            <a:r>
+              <a:rPr lang="zh-TW" altLang="en-US" sz="1800" dirty="0">
+                <a:latin typeface="+mn-lt"/>
+                <a:ea typeface="源樣黑體 TTF Light" panose="020B0300000000000000" pitchFamily="34" charset="-120"/>
+              </a:rPr>
+              <a:t>判斷到根號</a:t>
+            </a:r>
+            <a:r>
+              <a:rPr lang="en-US" altLang="zh-TW" sz="1800" dirty="0">
+                <a:latin typeface="+mn-lt"/>
+                <a:ea typeface="源樣黑體 TTF Light" panose="020B0300000000000000" pitchFamily="34" charset="-120"/>
+              </a:rPr>
+              <a:t>N</a:t>
+            </a:r>
+            <a:r>
+              <a:rPr lang="zh-TW" altLang="en-US" sz="1800" dirty="0">
+                <a:latin typeface="+mn-lt"/>
+                <a:ea typeface="源樣黑體 TTF Light" panose="020B0300000000000000" pitchFamily="34" charset="-120"/>
+              </a:rPr>
+              <a:t>之前有沒有</a:t>
+            </a:r>
+            <a:r>
+              <a:rPr lang="en-US" altLang="zh-TW" sz="1800" dirty="0">
+                <a:latin typeface="+mn-lt"/>
+                <a:ea typeface="源樣黑體 TTF Light" panose="020B0300000000000000" pitchFamily="34" charset="-120"/>
+              </a:rPr>
+              <a:t>N</a:t>
+            </a:r>
+            <a:r>
+              <a:rPr lang="zh-TW" altLang="en-US" sz="1800" dirty="0">
+                <a:latin typeface="+mn-lt"/>
+                <a:ea typeface="源樣黑體 TTF Light" panose="020B0300000000000000" pitchFamily="34" charset="-120"/>
+              </a:rPr>
+              <a:t>的其他因數就可以了</a:t>
+            </a:r>
+            <a:endParaRPr lang="en-US" altLang="zh-TW" sz="1800" dirty="0">
+              <a:latin typeface="+mn-lt"/>
+              <a:ea typeface="源樣黑體 TTF Light" panose="020B0300000000000000" pitchFamily="34" charset="-120"/>
+            </a:endParaRPr>
+          </a:p>
+          <a:p>
+            <a:pPr marL="76200" indent="0">
+              <a:buNone/>
+            </a:pPr>
+            <a:r>
+              <a:rPr lang="en-US" altLang="zh-TW" sz="1800" dirty="0">
+                <a:latin typeface="+mn-lt"/>
+                <a:ea typeface="源樣黑體 TTF Light" panose="020B0300000000000000" pitchFamily="34" charset="-120"/>
+              </a:rPr>
+              <a:t>		</a:t>
+            </a:r>
+          </a:p>
+          <a:p>
+            <a:endParaRPr lang="en-US" altLang="zh-TW" sz="1800" dirty="0">
+              <a:latin typeface="+mn-lt"/>
+              <a:ea typeface="源樣黑體 TTF Light" panose="020B0300000000000000" pitchFamily="34" charset="-120"/>
+            </a:endParaRPr>
+          </a:p>
+        </p:txBody>
+      </p:sp>
+      <p:sp>
+        <p:nvSpPr>
+          <p:cNvPr id="234" name="Google Shape;234;p18"/>
+          <p:cNvSpPr txBox="1">
+            <a:spLocks noGrp="1"/>
+          </p:cNvSpPr>
+          <p:nvPr>
+            <p:ph type="sldNum" idx="12"/>
+          </p:nvPr>
+        </p:nvSpPr>
+        <p:spPr>
+          <a:xfrm>
+            <a:off x="8635625" y="4751625"/>
+            <a:ext cx="469800" cy="391500"/>
+          </a:xfrm>
+          <a:prstGeom prst="rect">
+            <a:avLst/>
+          </a:prstGeom>
+        </p:spPr>
+        <p:txBody>
+          <a:bodyPr spcFirstLastPara="1" wrap="square" lIns="91425" tIns="91425" rIns="91425" bIns="91425" anchor="t" anchorCtr="0">
+            <a:noAutofit/>
+          </a:bodyPr>
+          <a:lstStyle/>
+          <a:p>
+            <a:pPr marL="0" lvl="0" indent="0" algn="r" rtl="0">
+              <a:spcBef>
+                <a:spcPts val="0"/>
+              </a:spcBef>
+              <a:spcAft>
+                <a:spcPts val="0"/>
+              </a:spcAft>
+              <a:buNone/>
+            </a:pPr>
+            <a:fld id="{00000000-1234-1234-1234-123412341234}" type="slidenum">
+              <a:rPr lang="en"/>
+              <a:t>14</a:t>
+            </a:fld>
+            <a:endParaRPr/>
+          </a:p>
+        </p:txBody>
+      </p:sp>
+    </p:spTree>
+    <p:extLst>
+      <p:ext uri="{BB962C8B-B14F-4D97-AF65-F5344CB8AC3E}">
+        <p14:creationId xmlns:p14="http://schemas.microsoft.com/office/powerpoint/2010/main" val="1193167853"/>
+      </p:ext>
+    </p:extLst>
+  </p:cSld>
+  <p:clrMapOvr>
+    <a:masterClrMapping/>
+  </p:clrMapOvr>
+</p:sld>
+</file>
+
+<file path=ppt/slides/slide15.xml><?xml version="1.0" encoding="utf-8"?>
+<p:sld xmlns:a="http://schemas.openxmlformats.org/drawingml/2006/main" xmlns:r="http://schemas.openxmlformats.org/officeDocument/2006/relationships" xmlns:p="http://schemas.openxmlformats.org/presentationml/2006/main">
+  <p:cSld>
+    <p:spTree>
+      <p:nvGrpSpPr>
+        <p:cNvPr id="1" name="Shape 231"/>
+        <p:cNvGrpSpPr/>
+        <p:nvPr/>
+      </p:nvGrpSpPr>
+      <p:grpSpPr>
+        <a:xfrm>
+          <a:off x="0" y="0"/>
+          <a:ext cx="0" cy="0"/>
+          <a:chOff x="0" y="0"/>
+          <a:chExt cx="0" cy="0"/>
+        </a:xfrm>
+      </p:grpSpPr>
+      <p:sp>
+        <p:nvSpPr>
+          <p:cNvPr id="232" name="Google Shape;232;p18"/>
+          <p:cNvSpPr txBox="1">
+            <a:spLocks noGrp="1"/>
+          </p:cNvSpPr>
+          <p:nvPr>
+            <p:ph type="title"/>
+          </p:nvPr>
+        </p:nvSpPr>
+        <p:spPr>
+          <a:xfrm>
+            <a:off x="2935875" y="909050"/>
+            <a:ext cx="5275500" cy="641100"/>
+          </a:xfrm>
+          <a:prstGeom prst="rect">
+            <a:avLst/>
+          </a:prstGeom>
+        </p:spPr>
+        <p:txBody>
+          <a:bodyPr spcFirstLastPara="1" wrap="square" lIns="91425" tIns="91425" rIns="91425" bIns="91425" anchor="b" anchorCtr="0">
+            <a:noAutofit/>
+          </a:bodyPr>
+          <a:lstStyle/>
+          <a:p>
+            <a:r>
+              <a:rPr lang="zh-TW" altLang="en-US" sz="3200" dirty="0">
+                <a:latin typeface="+mn-lt"/>
+                <a:ea typeface="源樣黑體 TTF Light" panose="020B0300000000000000" pitchFamily="34" charset="-120"/>
+              </a:rPr>
+              <a:t>演算法</a:t>
+            </a:r>
+            <a:endParaRPr lang="en-US" altLang="zh-TW" sz="3200" dirty="0">
+              <a:latin typeface="+mn-lt"/>
+              <a:ea typeface="源樣黑體 TTF Light" panose="020B0300000000000000" pitchFamily="34" charset="-120"/>
+            </a:endParaRPr>
+          </a:p>
+        </p:txBody>
+      </p:sp>
+      <p:sp>
+        <p:nvSpPr>
+          <p:cNvPr id="233" name="Google Shape;233;p18"/>
+          <p:cNvSpPr txBox="1">
+            <a:spLocks noGrp="1"/>
+          </p:cNvSpPr>
+          <p:nvPr>
+            <p:ph type="body" idx="1"/>
+          </p:nvPr>
+        </p:nvSpPr>
+        <p:spPr>
+          <a:xfrm>
+            <a:off x="2935875" y="1525758"/>
+            <a:ext cx="5275500" cy="2786100"/>
+          </a:xfrm>
+          <a:prstGeom prst="rect">
+            <a:avLst/>
+          </a:prstGeom>
+        </p:spPr>
+        <p:txBody>
+          <a:bodyPr spcFirstLastPara="1" wrap="square" lIns="91425" tIns="91425" rIns="91425" bIns="91425" anchor="t" anchorCtr="0">
+            <a:noAutofit/>
+          </a:bodyPr>
+          <a:lstStyle/>
+          <a:p>
+            <a:r>
+              <a:rPr lang="zh-TW" altLang="en-US" sz="1800" dirty="0">
+                <a:latin typeface="+mn-lt"/>
+                <a:ea typeface="源樣黑體 TTF Light" panose="020B0300000000000000" pitchFamily="34" charset="-120"/>
+              </a:rPr>
+              <a:t>將每個小問題的解答重新組合成一個解決這類型問題的方法，也就是公式</a:t>
+            </a:r>
+            <a:endParaRPr lang="en-US" altLang="zh-TW" sz="1800" dirty="0">
+              <a:latin typeface="+mn-lt"/>
+              <a:ea typeface="源樣黑體 TTF Light" panose="020B0300000000000000" pitchFamily="34" charset="-120"/>
+            </a:endParaRPr>
+          </a:p>
+          <a:p>
+            <a:endParaRPr lang="en-US" altLang="zh-TW" sz="1800" dirty="0">
+              <a:latin typeface="+mn-lt"/>
+              <a:ea typeface="源樣黑體 TTF Light" panose="020B0300000000000000" pitchFamily="34" charset="-120"/>
+            </a:endParaRPr>
+          </a:p>
+          <a:p>
+            <a:r>
+              <a:rPr lang="zh-TW" altLang="en-US" sz="1800" dirty="0">
+                <a:latin typeface="+mn-lt"/>
+                <a:ea typeface="源樣黑體 TTF Light" panose="020B0300000000000000" pitchFamily="34" charset="-120"/>
+              </a:rPr>
+              <a:t>例如</a:t>
+            </a:r>
+            <a:r>
+              <a:rPr lang="en-US" altLang="zh-TW" sz="1800" dirty="0">
+                <a:latin typeface="+mn-lt"/>
+                <a:ea typeface="源樣黑體 TTF Light" panose="020B0300000000000000" pitchFamily="34" charset="-120"/>
+              </a:rPr>
+              <a:t>:</a:t>
+            </a:r>
+          </a:p>
+          <a:p>
+            <a:pPr marL="76200" indent="0">
+              <a:buNone/>
+            </a:pPr>
+            <a:r>
+              <a:rPr lang="en-US" altLang="zh-TW" sz="1800" dirty="0">
+                <a:latin typeface="+mn-lt"/>
+                <a:ea typeface="源樣黑體 TTF Light" panose="020B0300000000000000" pitchFamily="34" charset="-120"/>
+              </a:rPr>
+              <a:t>	for </a:t>
+            </a:r>
+            <a:r>
+              <a:rPr lang="en-US" altLang="zh-TW" sz="1800" dirty="0" err="1">
+                <a:latin typeface="+mn-lt"/>
+                <a:ea typeface="源樣黑體 TTF Light" panose="020B0300000000000000" pitchFamily="34" charset="-120"/>
+              </a:rPr>
+              <a:t>i</a:t>
+            </a:r>
+            <a:r>
+              <a:rPr lang="en-US" altLang="zh-TW" sz="1800" dirty="0">
+                <a:latin typeface="+mn-lt"/>
+                <a:ea typeface="源樣黑體 TTF Light" panose="020B0300000000000000" pitchFamily="34" charset="-120"/>
+              </a:rPr>
+              <a:t> in range(n^0.5):</a:t>
+            </a:r>
+          </a:p>
+          <a:p>
+            <a:pPr marL="76200" indent="0">
+              <a:buNone/>
+            </a:pPr>
+            <a:r>
+              <a:rPr lang="en-US" altLang="zh-TW" sz="1800" dirty="0">
+                <a:latin typeface="+mn-lt"/>
+                <a:ea typeface="源樣黑體 TTF Light" panose="020B0300000000000000" pitchFamily="34" charset="-120"/>
+              </a:rPr>
+              <a:t>		if </a:t>
+            </a:r>
+            <a:r>
+              <a:rPr lang="en-US" altLang="zh-TW" sz="1800" dirty="0" err="1">
+                <a:latin typeface="+mn-lt"/>
+                <a:ea typeface="源樣黑體 TTF Light" panose="020B0300000000000000" pitchFamily="34" charset="-120"/>
+              </a:rPr>
+              <a:t>n%i</a:t>
+            </a:r>
+            <a:r>
+              <a:rPr lang="en-US" altLang="zh-TW" sz="1800" dirty="0">
+                <a:latin typeface="+mn-lt"/>
+                <a:ea typeface="源樣黑體 TTF Light" panose="020B0300000000000000" pitchFamily="34" charset="-120"/>
+              </a:rPr>
+              <a:t> == 0:</a:t>
+            </a:r>
+          </a:p>
+          <a:p>
+            <a:pPr marL="76200" indent="0">
+              <a:buNone/>
+            </a:pPr>
+            <a:r>
+              <a:rPr lang="en-US" altLang="zh-TW" sz="1800" dirty="0">
+                <a:latin typeface="+mn-lt"/>
+                <a:ea typeface="源樣黑體 TTF Light" panose="020B0300000000000000" pitchFamily="34" charset="-120"/>
+              </a:rPr>
+              <a:t>			</a:t>
+            </a:r>
+            <a:r>
+              <a:rPr lang="zh-TW" altLang="en-US" sz="1800" dirty="0">
+                <a:latin typeface="+mn-lt"/>
+                <a:ea typeface="源樣黑體 TTF Light" panose="020B0300000000000000" pitchFamily="34" charset="-120"/>
+              </a:rPr>
+              <a:t>不是質數</a:t>
+            </a:r>
+            <a:endParaRPr lang="en-US" altLang="zh-TW" sz="1800" dirty="0">
+              <a:latin typeface="+mn-lt"/>
+              <a:ea typeface="源樣黑體 TTF Light" panose="020B0300000000000000" pitchFamily="34" charset="-120"/>
+            </a:endParaRPr>
+          </a:p>
+          <a:p>
+            <a:pPr marL="76200" indent="0">
+              <a:buNone/>
+            </a:pPr>
+            <a:r>
+              <a:rPr lang="en-US" altLang="zh-TW" sz="1800" dirty="0">
+                <a:latin typeface="+mn-lt"/>
+                <a:ea typeface="源樣黑體 TTF Light" panose="020B0300000000000000" pitchFamily="34" charset="-120"/>
+              </a:rPr>
+              <a:t>		</a:t>
+            </a:r>
+          </a:p>
+          <a:p>
+            <a:endParaRPr lang="en-US" altLang="zh-TW" sz="1800" dirty="0">
+              <a:latin typeface="+mn-lt"/>
+              <a:ea typeface="源樣黑體 TTF Light" panose="020B0300000000000000" pitchFamily="34" charset="-120"/>
+            </a:endParaRPr>
+          </a:p>
+        </p:txBody>
+      </p:sp>
+      <p:sp>
+        <p:nvSpPr>
+          <p:cNvPr id="234" name="Google Shape;234;p18"/>
+          <p:cNvSpPr txBox="1">
+            <a:spLocks noGrp="1"/>
+          </p:cNvSpPr>
+          <p:nvPr>
+            <p:ph type="sldNum" idx="12"/>
+          </p:nvPr>
+        </p:nvSpPr>
+        <p:spPr>
+          <a:xfrm>
+            <a:off x="8635625" y="4751625"/>
+            <a:ext cx="469800" cy="391500"/>
+          </a:xfrm>
+          <a:prstGeom prst="rect">
+            <a:avLst/>
+          </a:prstGeom>
+        </p:spPr>
+        <p:txBody>
+          <a:bodyPr spcFirstLastPara="1" wrap="square" lIns="91425" tIns="91425" rIns="91425" bIns="91425" anchor="t" anchorCtr="0">
+            <a:noAutofit/>
+          </a:bodyPr>
+          <a:lstStyle/>
+          <a:p>
+            <a:pPr marL="0" lvl="0" indent="0" algn="r" rtl="0">
+              <a:spcBef>
+                <a:spcPts val="0"/>
+              </a:spcBef>
+              <a:spcAft>
+                <a:spcPts val="0"/>
+              </a:spcAft>
+              <a:buNone/>
+            </a:pPr>
+            <a:fld id="{00000000-1234-1234-1234-123412341234}" type="slidenum">
+              <a:rPr lang="en"/>
+              <a:t>15</a:t>
+            </a:fld>
+            <a:endParaRPr/>
+          </a:p>
+        </p:txBody>
+      </p:sp>
+    </p:spTree>
+    <p:extLst>
+      <p:ext uri="{BB962C8B-B14F-4D97-AF65-F5344CB8AC3E}">
+        <p14:creationId xmlns:p14="http://schemas.microsoft.com/office/powerpoint/2010/main" val="3931415363"/>
+      </p:ext>
+    </p:extLst>
+  </p:cSld>
+  <p:clrMapOvr>
+    <a:masterClrMapping/>
+  </p:clrMapOvr>
+</p:sld>
+</file>
+
+<file path=ppt/slides/slide16.xml><?xml version="1.0" encoding="utf-8"?>
+<p:sld xmlns:a="http://schemas.openxmlformats.org/drawingml/2006/main" xmlns:r="http://schemas.openxmlformats.org/officeDocument/2006/relationships" xmlns:p="http://schemas.openxmlformats.org/presentationml/2006/main">
+  <p:cSld>
+    <p:spTree>
+      <p:nvGrpSpPr>
+        <p:cNvPr id="1" name="Shape 315"/>
+        <p:cNvGrpSpPr/>
+        <p:nvPr/>
+      </p:nvGrpSpPr>
+      <p:grpSpPr>
+        <a:xfrm>
+          <a:off x="0" y="0"/>
+          <a:ext cx="0" cy="0"/>
+          <a:chOff x="0" y="0"/>
+          <a:chExt cx="0" cy="0"/>
+        </a:xfrm>
+      </p:grpSpPr>
+      <p:sp>
+        <p:nvSpPr>
+          <p:cNvPr id="316" name="Google Shape;316;p27"/>
+          <p:cNvSpPr txBox="1">
+            <a:spLocks noGrp="1"/>
+          </p:cNvSpPr>
+          <p:nvPr>
+            <p:ph type="ctrTitle" idx="4294967295"/>
+          </p:nvPr>
+        </p:nvSpPr>
+        <p:spPr>
+          <a:xfrm>
+            <a:off x="685800" y="1888142"/>
+            <a:ext cx="7772400" cy="1159800"/>
+          </a:xfrm>
+          <a:prstGeom prst="rect">
+            <a:avLst/>
+          </a:prstGeom>
+        </p:spPr>
+        <p:txBody>
+          <a:bodyPr spcFirstLastPara="1" wrap="square" lIns="91425" tIns="91425" rIns="91425" bIns="91425" anchor="b" anchorCtr="0">
+            <a:noAutofit/>
+          </a:bodyPr>
+          <a:lstStyle/>
+          <a:p>
+            <a:pPr marL="0" lvl="0" indent="0" algn="ctr" rtl="0">
+              <a:spcBef>
+                <a:spcPts val="0"/>
+              </a:spcBef>
+              <a:spcAft>
+                <a:spcPts val="0"/>
+              </a:spcAft>
+              <a:buNone/>
+            </a:pPr>
+            <a:r>
+              <a:rPr lang="zh-TW" altLang="en-US" sz="9600" b="1" dirty="0">
+                <a:solidFill>
+                  <a:srgbClr val="A1BECC"/>
+                </a:solidFill>
+                <a:latin typeface="+mj-ea"/>
+                <a:ea typeface="+mj-ea"/>
+                <a:cs typeface="Varela Round"/>
+                <a:sym typeface="Varela Round"/>
+              </a:rPr>
+              <a:t>小練習時間</a:t>
+            </a:r>
+            <a:endParaRPr sz="9600" b="1" dirty="0">
+              <a:solidFill>
+                <a:srgbClr val="A1BECC"/>
+              </a:solidFill>
+              <a:latin typeface="+mj-ea"/>
+              <a:ea typeface="+mj-ea"/>
+              <a:cs typeface="Varela Round"/>
+              <a:sym typeface="Varela Round"/>
+            </a:endParaRPr>
+          </a:p>
+        </p:txBody>
+      </p:sp>
+      <p:sp>
+        <p:nvSpPr>
+          <p:cNvPr id="317" name="Google Shape;317;p27"/>
+          <p:cNvSpPr txBox="1">
+            <a:spLocks noGrp="1"/>
+          </p:cNvSpPr>
+          <p:nvPr>
+            <p:ph type="subTitle" idx="4294967295"/>
+          </p:nvPr>
+        </p:nvSpPr>
+        <p:spPr>
+          <a:xfrm>
+            <a:off x="685800" y="2916253"/>
+            <a:ext cx="7772400" cy="784800"/>
+          </a:xfrm>
+          <a:prstGeom prst="rect">
+            <a:avLst/>
+          </a:prstGeom>
+        </p:spPr>
+        <p:txBody>
+          <a:bodyPr spcFirstLastPara="1" wrap="square" lIns="91425" tIns="91425" rIns="91425" bIns="91425" anchor="t" anchorCtr="0">
+            <a:noAutofit/>
+          </a:bodyPr>
+          <a:lstStyle/>
+          <a:p>
+            <a:pPr marL="0" lvl="0" indent="0" algn="ctr">
+              <a:buNone/>
+            </a:pPr>
+            <a:r>
+              <a:rPr lang="zh-TW" altLang="en-US" dirty="0">
+                <a:latin typeface="源樣黑體 TTF Light" panose="020B0300000000000000" pitchFamily="34" charset="-120"/>
+                <a:ea typeface="源樣黑體 TTF Light" panose="020B0300000000000000" pitchFamily="34" charset="-120"/>
+              </a:rPr>
+              <a:t>來</a:t>
+            </a:r>
+            <a:r>
+              <a:rPr lang="zh-TW" altLang="en-US">
+                <a:latin typeface="源樣黑體 TTF Light" panose="020B0300000000000000" pitchFamily="34" charset="-120"/>
+                <a:ea typeface="源樣黑體 TTF Light" panose="020B0300000000000000" pitchFamily="34" charset="-120"/>
+              </a:rPr>
+              <a:t>試著找到生活中的實例並拆解問題吧</a:t>
+            </a:r>
+            <a:endParaRPr lang="en-US" altLang="zh-TW" dirty="0">
+              <a:latin typeface="源樣黑體 TTF Light" panose="020B0300000000000000" pitchFamily="34" charset="-120"/>
+              <a:ea typeface="源樣黑體 TTF Light" panose="020B0300000000000000" pitchFamily="34" charset="-120"/>
+            </a:endParaRPr>
+          </a:p>
+        </p:txBody>
+      </p:sp>
+      <p:sp>
+        <p:nvSpPr>
+          <p:cNvPr id="318" name="Google Shape;318;p27"/>
+          <p:cNvSpPr txBox="1">
+            <a:spLocks noGrp="1"/>
+          </p:cNvSpPr>
+          <p:nvPr>
+            <p:ph type="sldNum" idx="12"/>
+          </p:nvPr>
+        </p:nvSpPr>
+        <p:spPr>
+          <a:xfrm>
+            <a:off x="4337100" y="4751625"/>
+            <a:ext cx="469800" cy="391500"/>
+          </a:xfrm>
+          <a:prstGeom prst="rect">
+            <a:avLst/>
+          </a:prstGeom>
+        </p:spPr>
+        <p:txBody>
+          <a:bodyPr spcFirstLastPara="1" wrap="square" lIns="91425" tIns="91425" rIns="91425" bIns="91425" anchor="t" anchorCtr="0">
+            <a:noAutofit/>
+          </a:bodyPr>
+          <a:lstStyle/>
+          <a:p>
+            <a:pPr marL="0" lvl="0" indent="0" algn="ctr" rtl="0">
+              <a:spcBef>
+                <a:spcPts val="0"/>
+              </a:spcBef>
+              <a:spcAft>
+                <a:spcPts val="0"/>
+              </a:spcAft>
+              <a:buNone/>
+            </a:pPr>
+            <a:fld id="{00000000-1234-1234-1234-123412341234}" type="slidenum">
+              <a:rPr lang="en"/>
+              <a:t>16</a:t>
+            </a:fld>
+            <a:endParaRPr/>
+          </a:p>
+        </p:txBody>
+      </p:sp>
+    </p:spTree>
+    <p:extLst>
+      <p:ext uri="{BB962C8B-B14F-4D97-AF65-F5344CB8AC3E}">
+        <p14:creationId xmlns:p14="http://schemas.microsoft.com/office/powerpoint/2010/main" val="4170019752"/>
+      </p:ext>
+    </p:extLst>
+  </p:cSld>
+  <p:clrMapOvr>
+    <a:masterClrMapping/>
+  </p:clrMapOvr>
+</p:sld>
+</file>
+
+<file path=ppt/slides/slide17.xml><?xml version="1.0" encoding="utf-8"?>
 <p:sld xmlns:a="http://schemas.openxmlformats.org/drawingml/2006/main" xmlns:r="http://schemas.openxmlformats.org/officeDocument/2006/relationships" xmlns:p="http://schemas.openxmlformats.org/presentationml/2006/main">
   <p:cSld>
     <p:spTree>
@@ -10497,7 +12653,7 @@
             </a:pPr>
             <a:fld id="{00000000-1234-1234-1234-123412341234}" type="slidenum">
               <a:rPr lang="en"/>
-              <a:t>11</a:t>
+              <a:t>17</a:t>
             </a:fld>
             <a:endParaRPr/>
           </a:p>
@@ -10508,13 +12664,6 @@
   <p:clrMapOvr>
     <a:masterClrMapping/>
   </p:clrMapOvr>
-  <p:timing>
-    <p:tnLst>
-      <p:par>
-        <p:cTn id="1" dur="indefinite" restart="never" nodeType="tmRoot"/>
-      </p:par>
-    </p:tnLst>
-  </p:timing>
 </p:sld>
 </file>
 
@@ -10570,7 +12719,7 @@
               <a:buNone/>
             </a:pPr>
             <a:r>
-              <a:rPr lang="zh-TW" altLang="en-US" dirty="0" smtClean="0">
+              <a:rPr lang="zh-TW" altLang="en-US" dirty="0">
                 <a:latin typeface="源樣黑體 TTF Light" panose="020B0300000000000000" pitchFamily="34" charset="-120"/>
                 <a:ea typeface="源樣黑體 TTF Light" panose="020B0300000000000000" pitchFamily="34" charset="-120"/>
               </a:rPr>
@@ -10615,7 +12764,7 @@
               <a:buNone/>
             </a:pPr>
             <a:r>
-              <a:rPr lang="en-US" altLang="zh-TW" dirty="0" smtClean="0"/>
+              <a:rPr lang="en-US" altLang="zh-TW" dirty="0"/>
               <a:t>Object, the basic part of program</a:t>
             </a:r>
             <a:endParaRPr dirty="0"/>
@@ -10657,7 +12806,7 @@
               <a:buNone/>
             </a:pPr>
             <a:r>
-              <a:rPr lang="en-US" altLang="zh-TW" sz="9600" b="1" dirty="0" smtClean="0">
+              <a:rPr lang="en-US" altLang="zh-TW" sz="9600" b="1" dirty="0">
                 <a:solidFill>
                   <a:srgbClr val="00ACC3"/>
                 </a:solidFill>
@@ -10718,7 +12867,7 @@
               <a:rPr lang="en"/>
               <a:t>2</a:t>
             </a:fld>
-            <a:endParaRPr/>
+            <a:endParaRPr dirty="0"/>
           </a:p>
         </p:txBody>
       </p:sp>
@@ -10732,13 +12881,6 @@
   <p:clrMapOvr>
     <a:masterClrMapping/>
   </p:clrMapOvr>
-  <p:timing>
-    <p:tnLst>
-      <p:par>
-        <p:cTn id="1" dur="indefinite" restart="never" nodeType="tmRoot"/>
-      </p:par>
-    </p:tnLst>
-  </p:timing>
 </p:sld>
 </file>
 
@@ -10794,7 +12936,7 @@
               <a:buNone/>
             </a:pPr>
             <a:r>
-              <a:rPr lang="zh-TW" altLang="en-US" sz="3200" dirty="0" smtClean="0">
+              <a:rPr lang="zh-TW" altLang="en-US" sz="3200" dirty="0">
                 <a:latin typeface="源樣黑體 TTF Light" panose="020B0300000000000000" pitchFamily="34" charset="-120"/>
                 <a:ea typeface="源樣黑體 TTF Light" panose="020B0300000000000000" pitchFamily="34" charset="-120"/>
               </a:rPr>
@@ -10837,54 +12979,47 @@
                 <a:latin typeface="+mn-lt"/>
                 <a:ea typeface="源樣黑體 TTF Light" panose="020B0300000000000000" pitchFamily="34" charset="-120"/>
               </a:rPr>
-              <a:t>為了方便產生一個</a:t>
+              <a:t>為了方便產生一個物件，我們會建立類別</a:t>
             </a:r>
-            <a:r>
-              <a:rPr lang="zh-TW" altLang="en-US" sz="1800" dirty="0" smtClean="0">
-                <a:latin typeface="+mn-lt"/>
-                <a:ea typeface="源樣黑體 TTF Light" panose="020B0300000000000000" pitchFamily="34" charset="-120"/>
-              </a:rPr>
-              <a:t>物件，我們會建立類別</a:t>
-            </a:r>
-            <a:endParaRPr lang="en-US" altLang="zh-TW" sz="1800" dirty="0" smtClean="0">
-              <a:latin typeface="+mn-lt"/>
-              <a:ea typeface="源樣黑體 TTF Light" panose="020B0300000000000000" pitchFamily="34" charset="-120"/>
-            </a:endParaRPr>
-          </a:p>
-          <a:p>
             <a:endParaRPr lang="en-US" altLang="zh-TW" sz="1800" dirty="0">
               <a:latin typeface="+mn-lt"/>
               <a:ea typeface="源樣黑體 TTF Light" panose="020B0300000000000000" pitchFamily="34" charset="-120"/>
             </a:endParaRPr>
           </a:p>
           <a:p>
+            <a:endParaRPr lang="en-US" altLang="zh-TW" sz="1800" dirty="0">
+              <a:latin typeface="+mn-lt"/>
+              <a:ea typeface="源樣黑體 TTF Light" panose="020B0300000000000000" pitchFamily="34" charset="-120"/>
+            </a:endParaRPr>
+          </a:p>
+          <a:p>
             <a:r>
-              <a:rPr lang="zh-TW" altLang="en-US" sz="1800" dirty="0" smtClean="0">
+              <a:rPr lang="zh-TW" altLang="en-US" sz="1800" dirty="0">
                 <a:latin typeface="+mn-lt"/>
                 <a:ea typeface="源樣黑體 TTF Light" panose="020B0300000000000000" pitchFamily="34" charset="-120"/>
               </a:rPr>
               <a:t>類別中有對物件的抽象描述，利用類別可以快速產生相對應的物件</a:t>
             </a:r>
-            <a:endParaRPr lang="en-US" altLang="zh-TW" sz="1800" dirty="0" smtClean="0">
-              <a:latin typeface="+mn-lt"/>
-              <a:ea typeface="源樣黑體 TTF Light" panose="020B0300000000000000" pitchFamily="34" charset="-120"/>
-            </a:endParaRPr>
-          </a:p>
-          <a:p>
             <a:endParaRPr lang="en-US" altLang="zh-TW" sz="1800" dirty="0">
               <a:latin typeface="+mn-lt"/>
               <a:ea typeface="源樣黑體 TTF Light" panose="020B0300000000000000" pitchFamily="34" charset="-120"/>
             </a:endParaRPr>
           </a:p>
           <a:p>
+            <a:endParaRPr lang="en-US" altLang="zh-TW" sz="1800" dirty="0">
+              <a:latin typeface="+mn-lt"/>
+              <a:ea typeface="源樣黑體 TTF Light" panose="020B0300000000000000" pitchFamily="34" charset="-120"/>
+            </a:endParaRPr>
+          </a:p>
+          <a:p>
             <a:r>
-              <a:rPr lang="zh-TW" altLang="en-US" sz="1800" dirty="0" smtClean="0">
+              <a:rPr lang="zh-TW" altLang="en-US" sz="1800" dirty="0">
                 <a:latin typeface="+mn-lt"/>
                 <a:ea typeface="源樣黑體 TTF Light" panose="020B0300000000000000" pitchFamily="34" charset="-120"/>
               </a:rPr>
               <a:t>我知道這聽不太懂，所以我們來看看影片</a:t>
             </a:r>
-            <a:endParaRPr lang="en-US" altLang="zh-TW" sz="1800" dirty="0" smtClean="0">
+            <a:endParaRPr lang="en-US" altLang="zh-TW" sz="1800" dirty="0">
               <a:latin typeface="+mn-lt"/>
               <a:ea typeface="源樣黑體 TTF Light" panose="020B0300000000000000" pitchFamily="34" charset="-120"/>
             </a:endParaRPr>
@@ -10929,7 +13064,7 @@
               <a:rPr lang="en"/>
               <a:t>3</a:t>
             </a:fld>
-            <a:endParaRPr/>
+            <a:endParaRPr dirty="0"/>
           </a:p>
         </p:txBody>
       </p:sp>
@@ -11133,7 +13268,7 @@
               <a:rPr lang="en"/>
               <a:t>4</a:t>
             </a:fld>
-            <a:endParaRPr/>
+            <a:endParaRPr dirty="0"/>
           </a:p>
         </p:txBody>
       </p:sp>
@@ -11173,13 +13308,6 @@
   <p:clrMapOvr>
     <a:masterClrMapping/>
   </p:clrMapOvr>
-  <p:timing>
-    <p:tnLst>
-      <p:par>
-        <p:cTn id="1" dur="indefinite" restart="never" nodeType="tmRoot"/>
-      </p:par>
-    </p:tnLst>
-  </p:timing>
 </p:sld>
 </file>
 
@@ -11229,7 +13357,7 @@
               <a:buNone/>
             </a:pPr>
             <a:r>
-              <a:rPr lang="en-US" altLang="zh-TW" dirty="0" smtClean="0"/>
+              <a:rPr lang="en-US" altLang="zh-TW" dirty="0"/>
               <a:t>class student():</a:t>
             </a:r>
           </a:p>
@@ -11245,7 +13373,7 @@
               <a:t>	</a:t>
             </a:r>
             <a:r>
-              <a:rPr lang="en-US" altLang="zh-TW" dirty="0" smtClean="0">
+              <a:rPr lang="en-US" altLang="zh-TW" dirty="0">
                 <a:latin typeface="+mn-lt"/>
                 <a:ea typeface="+mn-ea"/>
               </a:rPr>
@@ -11257,7 +13385,7 @@
               <a:buNone/>
             </a:pPr>
             <a:r>
-              <a:rPr lang="en-US" altLang="zh-TW" dirty="0" smtClean="0">
+              <a:rPr lang="en-US" altLang="zh-TW" dirty="0">
                 <a:latin typeface="+mn-lt"/>
                 <a:ea typeface="+mn-ea"/>
               </a:rPr>
@@ -11273,14 +13401,7 @@
                 <a:latin typeface="+mn-lt"/>
                 <a:ea typeface="+mn-ea"/>
               </a:rPr>
-              <a:t>	</a:t>
-            </a:r>
-            <a:r>
-              <a:rPr lang="en-US" altLang="zh-TW" dirty="0" smtClean="0">
-                <a:latin typeface="+mn-lt"/>
-                <a:ea typeface="+mn-ea"/>
-              </a:rPr>
-              <a:t>weight = 75</a:t>
+              <a:t>	weight = 75</a:t>
             </a:r>
           </a:p>
           <a:p>
@@ -11292,38 +13413,31 @@
                 <a:latin typeface="+mn-lt"/>
                 <a:ea typeface="+mn-ea"/>
               </a:rPr>
-              <a:t>	</a:t>
+              <a:t>	hobby</a:t>
             </a:r>
             <a:r>
-              <a:rPr lang="en-US" altLang="zh-TW" dirty="0" smtClean="0">
-                <a:latin typeface="+mn-lt"/>
-                <a:ea typeface="+mn-ea"/>
-              </a:rPr>
-              <a:t>hobby</a:t>
-            </a:r>
-            <a:r>
-              <a:rPr lang="zh-TW" altLang="en-US" dirty="0" smtClean="0">
+              <a:rPr lang="zh-TW" altLang="en-US" dirty="0">
                 <a:latin typeface="+mn-lt"/>
                 <a:ea typeface="+mn-ea"/>
               </a:rPr>
               <a:t> </a:t>
             </a:r>
             <a:r>
-              <a:rPr lang="en-US" altLang="zh-TW" dirty="0" smtClean="0">
+              <a:rPr lang="en-US" altLang="zh-TW" dirty="0">
                 <a:latin typeface="+mn-lt"/>
                 <a:ea typeface="+mn-ea"/>
               </a:rPr>
               <a:t>=</a:t>
             </a:r>
             <a:r>
-              <a:rPr lang="zh-TW" altLang="en-US" dirty="0" smtClean="0">
+              <a:rPr lang="zh-TW" altLang="en-US" dirty="0">
                 <a:latin typeface="+mn-lt"/>
                 <a:ea typeface="+mn-ea"/>
               </a:rPr>
               <a:t> </a:t>
             </a:r>
             <a:r>
-              <a:rPr lang="en-US" altLang="zh-TW" dirty="0" smtClean="0">
+              <a:rPr lang="en-US" altLang="zh-TW" dirty="0">
                 <a:latin typeface="+mn-lt"/>
                 <a:ea typeface="+mn-ea"/>
               </a:rPr>
@@ -11416,7 +13530,7 @@
               <a:rPr lang="en"/>
               <a:t>5</a:t>
             </a:fld>
-            <a:endParaRPr/>
+            <a:endParaRPr dirty="0"/>
           </a:p>
         </p:txBody>
       </p:sp>
@@ -11430,13 +13544,6 @@
   <p:clrMapOvr>
     <a:masterClrMapping/>
   </p:clrMapOvr>
-  <p:timing>
-    <p:tnLst>
-      <p:par>
-        <p:cTn id="1" dur="indefinite" restart="never" nodeType="tmRoot"/>
-      </p:par>
-    </p:tnLst>
-  </p:timing>
 </p:sld>
 </file>
 
@@ -11486,14 +13593,14 @@
               <a:buNone/>
             </a:pPr>
             <a:r>
-              <a:rPr lang="en-US" altLang="zh-TW" dirty="0" err="1" smtClean="0">
+              <a:rPr lang="en-US" altLang="zh-TW" dirty="0" err="1">
                 <a:latin typeface="+mn-lt"/>
                 <a:ea typeface="+mn-ea"/>
               </a:rPr>
               <a:t>tim</a:t>
             </a:r>
             <a:r>
-              <a:rPr lang="en-US" altLang="zh-TW" dirty="0" smtClean="0">
+              <a:rPr lang="en-US" altLang="zh-TW" dirty="0">
                 <a:latin typeface="+mn-lt"/>
                 <a:ea typeface="+mn-ea"/>
               </a:rPr>
@@ -11505,14 +13612,14 @@
               <a:buNone/>
             </a:pPr>
             <a:r>
-              <a:rPr lang="en-US" altLang="zh-TW" dirty="0" err="1" smtClean="0">
+              <a:rPr lang="en-US" altLang="zh-TW" dirty="0" err="1">
                 <a:latin typeface="+mn-lt"/>
                 <a:ea typeface="+mn-ea"/>
               </a:rPr>
               <a:t>alice</a:t>
             </a:r>
             <a:r>
-              <a:rPr lang="en-US" altLang="zh-TW" dirty="0" smtClean="0">
+              <a:rPr lang="en-US" altLang="zh-TW" dirty="0">
                 <a:latin typeface="+mn-lt"/>
                 <a:ea typeface="+mn-ea"/>
               </a:rPr>
@@ -11533,14 +13640,14 @@
               <a:buNone/>
             </a:pPr>
             <a:r>
-              <a:rPr lang="en-US" altLang="zh-TW" dirty="0" err="1" smtClean="0">
+              <a:rPr lang="en-US" altLang="zh-TW" dirty="0" err="1">
                 <a:latin typeface="+mn-lt"/>
                 <a:ea typeface="+mn-ea"/>
               </a:rPr>
               <a:t>tim.age</a:t>
             </a:r>
             <a:r>
-              <a:rPr lang="en-US" altLang="zh-TW" dirty="0" smtClean="0">
+              <a:rPr lang="en-US" altLang="zh-TW" dirty="0">
                 <a:latin typeface="+mn-lt"/>
                 <a:ea typeface="+mn-ea"/>
               </a:rPr>
@@ -11552,14 +13659,14 @@
               <a:buNone/>
             </a:pPr>
             <a:r>
-              <a:rPr lang="en-US" altLang="zh-TW" dirty="0" err="1" smtClean="0">
+              <a:rPr lang="en-US" altLang="zh-TW" dirty="0" err="1">
                 <a:latin typeface="+mn-lt"/>
                 <a:ea typeface="+mn-ea"/>
               </a:rPr>
               <a:t>tim.height</a:t>
             </a:r>
             <a:r>
-              <a:rPr lang="en-US" altLang="zh-TW" dirty="0" smtClean="0">
+              <a:rPr lang="en-US" altLang="zh-TW" dirty="0">
                 <a:latin typeface="+mn-lt"/>
                 <a:ea typeface="+mn-ea"/>
               </a:rPr>
@@ -11580,14 +13687,14 @@
               <a:buNone/>
             </a:pPr>
             <a:r>
-              <a:rPr lang="en-US" altLang="zh-TW" dirty="0" err="1" smtClean="0">
+              <a:rPr lang="en-US" altLang="zh-TW" dirty="0" err="1">
                 <a:latin typeface="+mn-lt"/>
                 <a:ea typeface="+mn-ea"/>
               </a:rPr>
               <a:t>alice.weight</a:t>
             </a:r>
             <a:r>
-              <a:rPr lang="en-US" altLang="zh-TW" dirty="0" smtClean="0">
+              <a:rPr lang="en-US" altLang="zh-TW" dirty="0">
                 <a:latin typeface="+mn-lt"/>
                 <a:ea typeface="+mn-ea"/>
               </a:rPr>
@@ -11599,14 +13706,14 @@
               <a:buNone/>
             </a:pPr>
             <a:r>
-              <a:rPr lang="en-US" altLang="zh-TW" dirty="0" err="1" smtClean="0">
+              <a:rPr lang="en-US" altLang="zh-TW" dirty="0" err="1">
                 <a:latin typeface="+mn-lt"/>
                 <a:ea typeface="+mn-ea"/>
               </a:rPr>
               <a:t>alice.hobby</a:t>
             </a:r>
             <a:r>
-              <a:rPr lang="en-US" altLang="zh-TW" dirty="0" smtClean="0">
+              <a:rPr lang="en-US" altLang="zh-TW" dirty="0">
                 <a:latin typeface="+mn-lt"/>
                 <a:ea typeface="+mn-ea"/>
               </a:rPr>
@@ -11701,13 +13808,6 @@
   <p:clrMapOvr>
     <a:masterClrMapping/>
   </p:clrMapOvr>
-  <p:timing>
-    <p:tnLst>
-      <p:par>
-        <p:cTn id="1" dur="indefinite" restart="never" nodeType="tmRoot"/>
-      </p:par>
-    </p:tnLst>
-  </p:timing>
 </p:sld>
 </file>
 
@@ -11802,73 +13902,59 @@
           <a:lstStyle/>
           <a:p>
             <a:r>
-              <a:rPr lang="zh-TW" altLang="en-US" sz="1800" dirty="0" smtClean="0">
+              <a:rPr lang="zh-TW" altLang="en-US" sz="1800" dirty="0">
                 <a:latin typeface="+mn-lt"/>
                 <a:ea typeface="源樣黑體 TTF Light" panose="020B0300000000000000" pitchFamily="34" charset="-120"/>
               </a:rPr>
               <a:t>這邊只是簡單介紹，物件還有更多複雜之處</a:t>
             </a:r>
-            <a:endParaRPr lang="en-US" altLang="zh-TW" sz="1800" dirty="0" smtClean="0">
-              <a:latin typeface="+mn-lt"/>
-              <a:ea typeface="源樣黑體 TTF Light" panose="020B0300000000000000" pitchFamily="34" charset="-120"/>
-            </a:endParaRPr>
-          </a:p>
-          <a:p>
             <a:endParaRPr lang="en-US" altLang="zh-TW" sz="1800" dirty="0">
               <a:latin typeface="+mn-lt"/>
               <a:ea typeface="源樣黑體 TTF Light" panose="020B0300000000000000" pitchFamily="34" charset="-120"/>
             </a:endParaRPr>
           </a:p>
           <a:p>
+            <a:endParaRPr lang="en-US" altLang="zh-TW" sz="1800" dirty="0">
+              <a:latin typeface="+mn-lt"/>
+              <a:ea typeface="源樣黑體 TTF Light" panose="020B0300000000000000" pitchFamily="34" charset="-120"/>
+            </a:endParaRPr>
+          </a:p>
+          <a:p>
             <a:r>
-              <a:rPr lang="zh-TW" altLang="en-US" sz="1800" dirty="0" smtClean="0">
+              <a:rPr lang="zh-TW" altLang="en-US" sz="1800" dirty="0">
                 <a:latin typeface="+mn-lt"/>
                 <a:ea typeface="源樣黑體 TTF Light" panose="020B0300000000000000" pitchFamily="34" charset="-120"/>
               </a:rPr>
               <a:t>物件雖然很方便，但也不是可以隨便使用的東西</a:t>
             </a:r>
-            <a:endParaRPr lang="en-US" altLang="zh-TW" sz="1800" dirty="0" smtClean="0">
+            <a:endParaRPr lang="en-US" altLang="zh-TW" sz="1800" dirty="0">
               <a:latin typeface="+mn-lt"/>
               <a:ea typeface="源樣黑體 TTF Light" panose="020B0300000000000000" pitchFamily="34" charset="-120"/>
             </a:endParaRPr>
           </a:p>
           <a:p>
             <a:r>
-              <a:rPr lang="zh-TW" altLang="en-US" sz="1800" dirty="0" smtClean="0">
+              <a:rPr lang="zh-TW" altLang="en-US" sz="1800" dirty="0">
                 <a:latin typeface="+mn-lt"/>
                 <a:ea typeface="源樣黑體 TTF Light" panose="020B0300000000000000" pitchFamily="34" charset="-120"/>
               </a:rPr>
               <a:t>例如</a:t>
             </a:r>
             <a:r>
-              <a:rPr lang="en-US" altLang="zh-TW" sz="1800" dirty="0" smtClean="0">
+              <a:rPr lang="en-US" altLang="zh-TW" sz="1800" dirty="0">
                 <a:latin typeface="+mn-lt"/>
                 <a:ea typeface="源樣黑體 TTF Light" panose="020B0300000000000000" pitchFamily="34" charset="-120"/>
               </a:rPr>
               <a:t>:</a:t>
             </a:r>
             <a:r>
-              <a:rPr lang="zh-TW" altLang="en-US" sz="1800" dirty="0" smtClean="0">
-                <a:latin typeface="+mn-lt"/>
-                <a:ea typeface="源樣黑體 TTF Light" panose="020B0300000000000000" pitchFamily="34" charset="-120"/>
-              </a:rPr>
-              <a:t> </a:t>
-            </a:r>
-            <a:r>
               <a:rPr lang="zh-TW" altLang="en-US" sz="1800" dirty="0">
                 <a:latin typeface="+mn-lt"/>
                 <a:ea typeface="源樣黑體 TTF Light" panose="020B0300000000000000" pitchFamily="34" charset="-120"/>
               </a:rPr>
-              <a:t>牛</a:t>
+              <a:t> 牛類別不會突然自己長出翅膀、腳踏車類別也不會有引擎型號</a:t>
             </a:r>
-            <a:r>
-              <a:rPr lang="zh-TW" altLang="en-US" sz="1800" dirty="0" smtClean="0">
-                <a:latin typeface="+mn-lt"/>
-                <a:ea typeface="源樣黑體 TTF Light" panose="020B0300000000000000" pitchFamily="34" charset="-120"/>
-              </a:rPr>
-              <a:t>類別不會突然自己長出翅膀、腳踏車類別也不會有引擎型號</a:t>
-            </a:r>
-            <a:endParaRPr lang="en-US" altLang="zh-TW" sz="1800" dirty="0" smtClean="0">
+            <a:endParaRPr lang="en-US" altLang="zh-TW" sz="1800" dirty="0">
               <a:latin typeface="+mn-lt"/>
               <a:ea typeface="源樣黑體 TTF Light" panose="020B0300000000000000" pitchFamily="34" charset="-120"/>
             </a:endParaRPr>
@@ -11927,13 +14013,6 @@
   <p:clrMapOvr>
     <a:masterClrMapping/>
   </p:clrMapOvr>
-  <p:timing>
-    <p:tnLst>
-      <p:par>
-        <p:cTn id="1" dur="indefinite" restart="never" nodeType="tmRoot"/>
-      </p:par>
-    </p:tnLst>
-  </p:timing>
 </p:sld>
 </file>
 
@@ -11989,7 +14068,7 @@
               <a:buNone/>
             </a:pPr>
             <a:r>
-              <a:rPr lang="zh-TW" altLang="en-US" sz="9600" b="1" dirty="0" smtClean="0">
+              <a:rPr lang="zh-TW" altLang="en-US" sz="9600" b="1" dirty="0">
                 <a:solidFill>
                   <a:srgbClr val="A1BECC"/>
                 </a:solidFill>
@@ -12041,13 +14120,13 @@
               <a:buNone/>
             </a:pPr>
             <a:r>
-              <a:rPr lang="zh-TW" altLang="en-US" dirty="0" smtClean="0">
+              <a:rPr lang="zh-TW" altLang="en-US" dirty="0">
                 <a:latin typeface="源樣黑體 TTF Light" panose="020B0300000000000000" pitchFamily="34" charset="-120"/>
                 <a:ea typeface="源樣黑體 TTF Light" panose="020B0300000000000000" pitchFamily="34" charset="-120"/>
               </a:rPr>
               <a:t>來試著列出寵物機器人的所需要的資訊吧</a:t>
             </a:r>
-            <a:endParaRPr lang="en-US" altLang="zh-TW" dirty="0" smtClean="0">
+            <a:endParaRPr lang="en-US" altLang="zh-TW" dirty="0">
               <a:latin typeface="源樣黑體 TTF Light" panose="020B0300000000000000" pitchFamily="34" charset="-120"/>
               <a:ea typeface="源樣黑體 TTF Light" panose="020B0300000000000000" pitchFamily="34" charset="-120"/>
             </a:endParaRPr>
@@ -12106,13 +14185,6 @@
   <p:clrMapOvr>
     <a:masterClrMapping/>
   </p:clrMapOvr>
-  <p:timing>
-    <p:tnLst>
-      <p:par>
-        <p:cTn id="1" dur="indefinite" restart="never" nodeType="tmRoot"/>
-      </p:par>
-    </p:tnLst>
-  </p:timing>
 </p:sld>
 </file>
 
@@ -12168,7 +14240,7 @@
               <a:buNone/>
             </a:pPr>
             <a:r>
-              <a:rPr lang="zh-TW" altLang="en-US" dirty="0" smtClean="0">
+              <a:rPr lang="zh-TW" altLang="en-US" dirty="0">
                 <a:latin typeface="源樣黑體 TTF Light" panose="020B0300000000000000" pitchFamily="34" charset="-120"/>
                 <a:ea typeface="源樣黑體 TTF Light" panose="020B0300000000000000" pitchFamily="34" charset="-120"/>
               </a:rPr>
@@ -12213,7 +14285,7 @@
               <a:buNone/>
             </a:pPr>
             <a:r>
-              <a:rPr lang="en-US" altLang="zh-TW" dirty="0" smtClean="0"/>
+              <a:rPr lang="en-US" altLang="zh-TW" dirty="0"/>
               <a:t>The Power of Algorithm</a:t>
             </a:r>
             <a:endParaRPr dirty="0"/>
@@ -12255,7 +14327,7 @@
               <a:buNone/>
             </a:pPr>
             <a:r>
-              <a:rPr lang="en-US" altLang="zh-TW" sz="9600" b="1" dirty="0" smtClean="0">
+              <a:rPr lang="en-US" altLang="zh-TW" sz="9600" b="1" dirty="0">
                 <a:solidFill>
                   <a:srgbClr val="00ACC3"/>
                 </a:solidFill>
@@ -12330,13 +14402,6 @@
   <p:clrMapOvr>
     <a:masterClrMapping/>
   </p:clrMapOvr>
-  <p:timing>
-    <p:tnLst>
-      <p:par>
-        <p:cTn id="1" dur="indefinite" restart="never" nodeType="tmRoot"/>
-      </p:par>
-    </p:tnLst>
-  </p:timing>
 </p:sld>
 </file>
 
